--- a/papers/DRCPA/docs/PerfTest - Profiling via TPTP.pptx
+++ b/papers/DRCPA/docs/PerfTest - Profiling via TPTP.pptx
@@ -1,14 +1,14 @@
 
 <file path=ppt/presentation.xml><?xml version="1.0" encoding="utf-8"?>
-<p:presentation xmlns:a="http://schemas.openxmlformats.org/drawingml/2006/main" xmlns:r="http://schemas.openxmlformats.org/officeDocument/2006/relationships" xmlns:mc="http://schemas.openxmlformats.org/markup-compatibility/2006" xmlns:mv="urn:schemas-microsoft-com:mac:vml" xmlns:p="http://schemas.openxmlformats.org/presentationml/2006/main" mc:Ignorable="mv" mc:PreserveAttributes="mv:*" saveSubsetFonts="1">
+<p:presentation xmlns:a="http://schemas.openxmlformats.org/drawingml/2006/main" xmlns:r="http://schemas.openxmlformats.org/officeDocument/2006/relationships" xmlns:p="http://schemas.openxmlformats.org/presentationml/2006/main" saveSubsetFonts="1">
   <p:sldMasterIdLst>
     <p:sldMasterId id="2147483648" r:id="rId1"/>
   </p:sldMasterIdLst>
   <p:notesMasterIdLst>
-    <p:notesMasterId r:id="rId23"/>
+    <p:notesMasterId r:id="rId25"/>
   </p:notesMasterIdLst>
   <p:handoutMasterIdLst>
-    <p:handoutMasterId r:id="rId24"/>
+    <p:handoutMasterId r:id="rId26"/>
   </p:handoutMasterIdLst>
   <p:sldIdLst>
     <p:sldId id="256" r:id="rId2"/>
@@ -18,20 +18,22 @@
     <p:sldId id="380" r:id="rId6"/>
     <p:sldId id="368" r:id="rId7"/>
     <p:sldId id="386" r:id="rId8"/>
-    <p:sldId id="387" r:id="rId9"/>
-    <p:sldId id="367" r:id="rId10"/>
-    <p:sldId id="359" r:id="rId11"/>
-    <p:sldId id="373" r:id="rId12"/>
-    <p:sldId id="361" r:id="rId13"/>
-    <p:sldId id="342" r:id="rId14"/>
-    <p:sldId id="356" r:id="rId15"/>
-    <p:sldId id="374" r:id="rId16"/>
-    <p:sldId id="267" r:id="rId17"/>
-    <p:sldId id="268" r:id="rId18"/>
-    <p:sldId id="385" r:id="rId19"/>
-    <p:sldId id="382" r:id="rId20"/>
-    <p:sldId id="378" r:id="rId21"/>
-    <p:sldId id="369" r:id="rId22"/>
+    <p:sldId id="389" r:id="rId9"/>
+    <p:sldId id="387" r:id="rId10"/>
+    <p:sldId id="367" r:id="rId11"/>
+    <p:sldId id="359" r:id="rId12"/>
+    <p:sldId id="373" r:id="rId13"/>
+    <p:sldId id="361" r:id="rId14"/>
+    <p:sldId id="342" r:id="rId15"/>
+    <p:sldId id="356" r:id="rId16"/>
+    <p:sldId id="374" r:id="rId17"/>
+    <p:sldId id="267" r:id="rId18"/>
+    <p:sldId id="268" r:id="rId19"/>
+    <p:sldId id="385" r:id="rId20"/>
+    <p:sldId id="382" r:id="rId21"/>
+    <p:sldId id="378" r:id="rId22"/>
+    <p:sldId id="369" r:id="rId23"/>
+    <p:sldId id="388" r:id="rId24"/>
   </p:sldIdLst>
   <p:sldSz cx="9144000" cy="6858000" type="screen4x3"/>
   <p:notesSz cx="6858000" cy="9144000"/>
@@ -134,7 +136,7 @@
 </file>
 
 <file path=ppt/handoutMasters/handoutMaster1.xml><?xml version="1.0" encoding="utf-8"?>
-<p:handoutMaster xmlns:a="http://schemas.openxmlformats.org/drawingml/2006/main" xmlns:r="http://schemas.openxmlformats.org/officeDocument/2006/relationships" xmlns:mc="http://schemas.openxmlformats.org/markup-compatibility/2006" xmlns:mv="urn:schemas-microsoft-com:mac:vml" xmlns:p="http://schemas.openxmlformats.org/presentationml/2006/main" mc:Ignorable="mv" mc:PreserveAttributes="mv:*">
+<p:handoutMaster xmlns:a="http://schemas.openxmlformats.org/drawingml/2006/main" xmlns:r="http://schemas.openxmlformats.org/officeDocument/2006/relationships" xmlns:p="http://schemas.openxmlformats.org/presentationml/2006/main">
   <p:cSld>
     <p:bg>
       <p:bgRef idx="1001">
@@ -216,7 +218,7 @@
             <a:fld id="{C1876738-C24C-400B-BE8B-5F8C502DDA77}" type="datetimeFigureOut">
               <a:rPr lang="en-US" smtClean="0"/>
               <a:pPr/>
-              <a:t>9/22/09</a:t>
+              <a:t>9/28/2009</a:t>
             </a:fld>
             <a:endParaRPr lang="en-US"/>
           </a:p>
@@ -296,7 +298,7 @@
 </file>
 
 <file path=ppt/notesMasters/notesMaster1.xml><?xml version="1.0" encoding="utf-8"?>
-<p:notesMaster xmlns:a="http://schemas.openxmlformats.org/drawingml/2006/main" xmlns:r="http://schemas.openxmlformats.org/officeDocument/2006/relationships" xmlns:mc="http://schemas.openxmlformats.org/markup-compatibility/2006" xmlns:mv="urn:schemas-microsoft-com:mac:vml" xmlns:p="http://schemas.openxmlformats.org/presentationml/2006/main" mc:Ignorable="mv" mc:PreserveAttributes="mv:*">
+<p:notesMaster xmlns:a="http://schemas.openxmlformats.org/drawingml/2006/main" xmlns:r="http://schemas.openxmlformats.org/officeDocument/2006/relationships" xmlns:p="http://schemas.openxmlformats.org/presentationml/2006/main">
   <p:cSld>
     <p:bg>
       <p:bgRef idx="1001">
@@ -378,7 +380,7 @@
             <a:fld id="{23B74013-A8FD-4950-914A-947FD22947D7}" type="datetimeFigureOut">
               <a:rPr lang="en-US" smtClean="0"/>
               <a:pPr/>
-              <a:t>9/22/09</a:t>
+              <a:t>9/28/2009</a:t>
             </a:fld>
             <a:endParaRPr lang="en-US"/>
           </a:p>
@@ -645,7 +647,7 @@
 </file>
 
 <file path=ppt/slideLayouts/slideLayout1.xml><?xml version="1.0" encoding="utf-8"?>
-<p:sldLayout xmlns:a="http://schemas.openxmlformats.org/drawingml/2006/main" xmlns:r="http://schemas.openxmlformats.org/officeDocument/2006/relationships" xmlns:mc="http://schemas.openxmlformats.org/markup-compatibility/2006" xmlns:mv="urn:schemas-microsoft-com:mac:vml" xmlns:p="http://schemas.openxmlformats.org/presentationml/2006/main" mc:Ignorable="mv" mc:PreserveAttributes="mv:*" type="title" preserve="1">
+<p:sldLayout xmlns:a="http://schemas.openxmlformats.org/drawingml/2006/main" xmlns:r="http://schemas.openxmlformats.org/officeDocument/2006/relationships" xmlns:p="http://schemas.openxmlformats.org/presentationml/2006/main" type="title" preserve="1">
   <p:cSld name="Title Slide">
     <p:bg>
       <p:bgRef idx="1002">
@@ -831,7 +833,7 @@
             <a:fld id="{C60591B3-B4ED-4C31-8AEF-63EEC6A32F51}" type="datetimeFigureOut">
               <a:rPr lang="en-US" smtClean="0"/>
               <a:pPr/>
-              <a:t>9/22/09</a:t>
+              <a:t>9/28/2009</a:t>
             </a:fld>
             <a:endParaRPr lang="en-US"/>
           </a:p>
@@ -889,7 +891,7 @@
 </file>
 
 <file path=ppt/slideLayouts/slideLayout10.xml><?xml version="1.0" encoding="utf-8"?>
-<p:sldLayout xmlns:a="http://schemas.openxmlformats.org/drawingml/2006/main" xmlns:r="http://schemas.openxmlformats.org/officeDocument/2006/relationships" xmlns:mc="http://schemas.openxmlformats.org/markup-compatibility/2006" xmlns:mv="urn:schemas-microsoft-com:mac:vml" xmlns:p="http://schemas.openxmlformats.org/presentationml/2006/main" mc:Ignorable="mv" mc:PreserveAttributes="mv:*" type="vertTx" preserve="1">
+<p:sldLayout xmlns:a="http://schemas.openxmlformats.org/drawingml/2006/main" xmlns:r="http://schemas.openxmlformats.org/officeDocument/2006/relationships" xmlns:p="http://schemas.openxmlformats.org/presentationml/2006/main" type="vertTx" preserve="1">
   <p:cSld name="Title and Vertical Text">
     <p:spTree>
       <p:nvGrpSpPr>
@@ -998,7 +1000,7 @@
             <a:fld id="{C60591B3-B4ED-4C31-8AEF-63EEC6A32F51}" type="datetimeFigureOut">
               <a:rPr lang="en-US" smtClean="0"/>
               <a:pPr/>
-              <a:t>9/22/09</a:t>
+              <a:t>9/28/2009</a:t>
             </a:fld>
             <a:endParaRPr lang="en-US"/>
           </a:p>
@@ -1056,7 +1058,7 @@
 </file>
 
 <file path=ppt/slideLayouts/slideLayout11.xml><?xml version="1.0" encoding="utf-8"?>
-<p:sldLayout xmlns:a="http://schemas.openxmlformats.org/drawingml/2006/main" xmlns:r="http://schemas.openxmlformats.org/officeDocument/2006/relationships" xmlns:mc="http://schemas.openxmlformats.org/markup-compatibility/2006" xmlns:mv="urn:schemas-microsoft-com:mac:vml" xmlns:p="http://schemas.openxmlformats.org/presentationml/2006/main" mc:Ignorable="mv" mc:PreserveAttributes="mv:*" type="vertTitleAndTx" preserve="1">
+<p:sldLayout xmlns:a="http://schemas.openxmlformats.org/drawingml/2006/main" xmlns:r="http://schemas.openxmlformats.org/officeDocument/2006/relationships" xmlns:p="http://schemas.openxmlformats.org/presentationml/2006/main" type="vertTitleAndTx" preserve="1">
   <p:cSld name="Vertical Title and Text">
     <p:spTree>
       <p:nvGrpSpPr>
@@ -1175,7 +1177,7 @@
             <a:fld id="{C60591B3-B4ED-4C31-8AEF-63EEC6A32F51}" type="datetimeFigureOut">
               <a:rPr lang="en-US" smtClean="0"/>
               <a:pPr/>
-              <a:t>9/22/09</a:t>
+              <a:t>9/28/2009</a:t>
             </a:fld>
             <a:endParaRPr lang="en-US"/>
           </a:p>
@@ -1233,7 +1235,7 @@
 </file>
 
 <file path=ppt/slideLayouts/slideLayout2.xml><?xml version="1.0" encoding="utf-8"?>
-<p:sldLayout xmlns:a="http://schemas.openxmlformats.org/drawingml/2006/main" xmlns:r="http://schemas.openxmlformats.org/officeDocument/2006/relationships" xmlns:mc="http://schemas.openxmlformats.org/markup-compatibility/2006" xmlns:mv="urn:schemas-microsoft-com:mac:vml" xmlns:p="http://schemas.openxmlformats.org/presentationml/2006/main" mc:Ignorable="mv" mc:PreserveAttributes="mv:*" type="obj" preserve="1">
+<p:sldLayout xmlns:a="http://schemas.openxmlformats.org/drawingml/2006/main" xmlns:r="http://schemas.openxmlformats.org/officeDocument/2006/relationships" xmlns:p="http://schemas.openxmlformats.org/presentationml/2006/main" type="obj" preserve="1">
   <p:cSld name="Title and Content">
     <p:spTree>
       <p:nvGrpSpPr>
@@ -1342,7 +1344,7 @@
             <a:fld id="{C60591B3-B4ED-4C31-8AEF-63EEC6A32F51}" type="datetimeFigureOut">
               <a:rPr lang="en-US" smtClean="0"/>
               <a:pPr/>
-              <a:t>9/22/09</a:t>
+              <a:t>9/28/2009</a:t>
             </a:fld>
             <a:endParaRPr lang="en-US"/>
           </a:p>
@@ -1400,7 +1402,7 @@
 </file>
 
 <file path=ppt/slideLayouts/slideLayout3.xml><?xml version="1.0" encoding="utf-8"?>
-<p:sldLayout xmlns:a="http://schemas.openxmlformats.org/drawingml/2006/main" xmlns:r="http://schemas.openxmlformats.org/officeDocument/2006/relationships" xmlns:mc="http://schemas.openxmlformats.org/markup-compatibility/2006" xmlns:mv="urn:schemas-microsoft-com:mac:vml" xmlns:p="http://schemas.openxmlformats.org/presentationml/2006/main" mc:Ignorable="mv" mc:PreserveAttributes="mv:*" type="secHead" preserve="1">
+<p:sldLayout xmlns:a="http://schemas.openxmlformats.org/drawingml/2006/main" xmlns:r="http://schemas.openxmlformats.org/officeDocument/2006/relationships" xmlns:p="http://schemas.openxmlformats.org/presentationml/2006/main" type="secHead" preserve="1">
   <p:cSld name="Section Header">
     <p:bg>
       <p:bgRef idx="1002">
@@ -1590,7 +1592,7 @@
             <a:fld id="{C60591B3-B4ED-4C31-8AEF-63EEC6A32F51}" type="datetimeFigureOut">
               <a:rPr lang="en-US" smtClean="0"/>
               <a:pPr/>
-              <a:t>9/22/09</a:t>
+              <a:t>9/28/2009</a:t>
             </a:fld>
             <a:endParaRPr lang="en-US"/>
           </a:p>
@@ -1648,7 +1650,7 @@
 </file>
 
 <file path=ppt/slideLayouts/slideLayout4.xml><?xml version="1.0" encoding="utf-8"?>
-<p:sldLayout xmlns:a="http://schemas.openxmlformats.org/drawingml/2006/main" xmlns:r="http://schemas.openxmlformats.org/officeDocument/2006/relationships" xmlns:mc="http://schemas.openxmlformats.org/markup-compatibility/2006" xmlns:mv="urn:schemas-microsoft-com:mac:vml" xmlns:p="http://schemas.openxmlformats.org/presentationml/2006/main" mc:Ignorable="mv" mc:PreserveAttributes="mv:*" type="twoObj" preserve="1">
+<p:sldLayout xmlns:a="http://schemas.openxmlformats.org/drawingml/2006/main" xmlns:r="http://schemas.openxmlformats.org/officeDocument/2006/relationships" xmlns:p="http://schemas.openxmlformats.org/presentationml/2006/main" type="twoObj" preserve="1">
   <p:cSld name="Two Content">
     <p:spTree>
       <p:nvGrpSpPr>
@@ -1875,7 +1877,7 @@
             <a:fld id="{C60591B3-B4ED-4C31-8AEF-63EEC6A32F51}" type="datetimeFigureOut">
               <a:rPr lang="en-US" smtClean="0"/>
               <a:pPr/>
-              <a:t>9/22/09</a:t>
+              <a:t>9/28/2009</a:t>
             </a:fld>
             <a:endParaRPr lang="en-US"/>
           </a:p>
@@ -1933,7 +1935,7 @@
 </file>
 
 <file path=ppt/slideLayouts/slideLayout5.xml><?xml version="1.0" encoding="utf-8"?>
-<p:sldLayout xmlns:a="http://schemas.openxmlformats.org/drawingml/2006/main" xmlns:r="http://schemas.openxmlformats.org/officeDocument/2006/relationships" xmlns:mc="http://schemas.openxmlformats.org/markup-compatibility/2006" xmlns:mv="urn:schemas-microsoft-com:mac:vml" xmlns:p="http://schemas.openxmlformats.org/presentationml/2006/main" mc:Ignorable="mv" mc:PreserveAttributes="mv:*" type="twoTxTwoObj" preserve="1">
+<p:sldLayout xmlns:a="http://schemas.openxmlformats.org/drawingml/2006/main" xmlns:r="http://schemas.openxmlformats.org/officeDocument/2006/relationships" xmlns:p="http://schemas.openxmlformats.org/presentationml/2006/main" type="twoTxTwoObj" preserve="1">
   <p:cSld name="Comparison">
     <p:spTree>
       <p:nvGrpSpPr>
@@ -2294,7 +2296,7 @@
             <a:fld id="{C60591B3-B4ED-4C31-8AEF-63EEC6A32F51}" type="datetimeFigureOut">
               <a:rPr lang="en-US" smtClean="0"/>
               <a:pPr/>
-              <a:t>9/22/09</a:t>
+              <a:t>9/28/2009</a:t>
             </a:fld>
             <a:endParaRPr lang="en-US"/>
           </a:p>
@@ -2352,7 +2354,7 @@
 </file>
 
 <file path=ppt/slideLayouts/slideLayout6.xml><?xml version="1.0" encoding="utf-8"?>
-<p:sldLayout xmlns:a="http://schemas.openxmlformats.org/drawingml/2006/main" xmlns:r="http://schemas.openxmlformats.org/officeDocument/2006/relationships" xmlns:mc="http://schemas.openxmlformats.org/markup-compatibility/2006" xmlns:mv="urn:schemas-microsoft-com:mac:vml" xmlns:p="http://schemas.openxmlformats.org/presentationml/2006/main" mc:Ignorable="mv" mc:PreserveAttributes="mv:*" type="titleOnly" preserve="1">
+<p:sldLayout xmlns:a="http://schemas.openxmlformats.org/drawingml/2006/main" xmlns:r="http://schemas.openxmlformats.org/officeDocument/2006/relationships" xmlns:p="http://schemas.openxmlformats.org/presentationml/2006/main" type="titleOnly" preserve="1">
   <p:cSld name="Title Only">
     <p:spTree>
       <p:nvGrpSpPr>
@@ -2409,7 +2411,7 @@
             <a:fld id="{C60591B3-B4ED-4C31-8AEF-63EEC6A32F51}" type="datetimeFigureOut">
               <a:rPr lang="en-US" smtClean="0"/>
               <a:pPr/>
-              <a:t>9/22/09</a:t>
+              <a:t>9/28/2009</a:t>
             </a:fld>
             <a:endParaRPr lang="en-US"/>
           </a:p>
@@ -2467,7 +2469,7 @@
 </file>
 
 <file path=ppt/slideLayouts/slideLayout7.xml><?xml version="1.0" encoding="utf-8"?>
-<p:sldLayout xmlns:a="http://schemas.openxmlformats.org/drawingml/2006/main" xmlns:r="http://schemas.openxmlformats.org/officeDocument/2006/relationships" xmlns:mc="http://schemas.openxmlformats.org/markup-compatibility/2006" xmlns:mv="urn:schemas-microsoft-com:mac:vml" xmlns:p="http://schemas.openxmlformats.org/presentationml/2006/main" mc:Ignorable="mv" mc:PreserveAttributes="mv:*" type="blank" preserve="1">
+<p:sldLayout xmlns:a="http://schemas.openxmlformats.org/drawingml/2006/main" xmlns:r="http://schemas.openxmlformats.org/officeDocument/2006/relationships" xmlns:p="http://schemas.openxmlformats.org/presentationml/2006/main" type="blank" preserve="1">
   <p:cSld name="Blank">
     <p:spTree>
       <p:nvGrpSpPr>
@@ -2501,7 +2503,7 @@
             <a:fld id="{C60591B3-B4ED-4C31-8AEF-63EEC6A32F51}" type="datetimeFigureOut">
               <a:rPr lang="en-US" smtClean="0"/>
               <a:pPr/>
-              <a:t>9/22/09</a:t>
+              <a:t>9/28/2009</a:t>
             </a:fld>
             <a:endParaRPr lang="en-US"/>
           </a:p>
@@ -2559,7 +2561,7 @@
 </file>
 
 <file path=ppt/slideLayouts/slideLayout8.xml><?xml version="1.0" encoding="utf-8"?>
-<p:sldLayout xmlns:a="http://schemas.openxmlformats.org/drawingml/2006/main" xmlns:r="http://schemas.openxmlformats.org/officeDocument/2006/relationships" xmlns:mc="http://schemas.openxmlformats.org/markup-compatibility/2006" xmlns:mv="urn:schemas-microsoft-com:mac:vml" xmlns:p="http://schemas.openxmlformats.org/presentationml/2006/main" mc:Ignorable="mv" mc:PreserveAttributes="mv:*" type="objTx" preserve="1">
+<p:sldLayout xmlns:a="http://schemas.openxmlformats.org/drawingml/2006/main" xmlns:r="http://schemas.openxmlformats.org/officeDocument/2006/relationships" xmlns:p="http://schemas.openxmlformats.org/presentationml/2006/main" type="objTx" preserve="1">
   <p:cSld name="Content with Caption">
     <p:spTree>
       <p:nvGrpSpPr>
@@ -2775,7 +2777,7 @@
             <a:fld id="{C60591B3-B4ED-4C31-8AEF-63EEC6A32F51}" type="datetimeFigureOut">
               <a:rPr lang="en-US" smtClean="0"/>
               <a:pPr/>
-              <a:t>9/22/09</a:t>
+              <a:t>9/28/2009</a:t>
             </a:fld>
             <a:endParaRPr lang="en-US"/>
           </a:p>
@@ -2833,7 +2835,7 @@
 </file>
 
 <file path=ppt/slideLayouts/slideLayout9.xml><?xml version="1.0" encoding="utf-8"?>
-<p:sldLayout xmlns:a="http://schemas.openxmlformats.org/drawingml/2006/main" xmlns:r="http://schemas.openxmlformats.org/officeDocument/2006/relationships" xmlns:mc="http://schemas.openxmlformats.org/markup-compatibility/2006" xmlns:mv="urn:schemas-microsoft-com:mac:vml" xmlns:p="http://schemas.openxmlformats.org/presentationml/2006/main" mc:Ignorable="mv" mc:PreserveAttributes="mv:*" type="picTx" preserve="1">
+<p:sldLayout xmlns:a="http://schemas.openxmlformats.org/drawingml/2006/main" xmlns:r="http://schemas.openxmlformats.org/officeDocument/2006/relationships" xmlns:p="http://schemas.openxmlformats.org/presentationml/2006/main" type="picTx" preserve="1">
   <p:cSld name="Picture with Caption">
     <p:spTree>
       <p:nvGrpSpPr>
@@ -3025,7 +3027,7 @@
             <a:fld id="{C60591B3-B4ED-4C31-8AEF-63EEC6A32F51}" type="datetimeFigureOut">
               <a:rPr lang="en-US" smtClean="0"/>
               <a:pPr/>
-              <a:t>9/22/09</a:t>
+              <a:t>9/28/2009</a:t>
             </a:fld>
             <a:endParaRPr lang="en-US"/>
           </a:p>
@@ -3083,7 +3085,7 @@
 </file>
 
 <file path=ppt/slideMasters/slideMaster1.xml><?xml version="1.0" encoding="utf-8"?>
-<p:sldMaster xmlns:a="http://schemas.openxmlformats.org/drawingml/2006/main" xmlns:r="http://schemas.openxmlformats.org/officeDocument/2006/relationships" xmlns:mc="http://schemas.openxmlformats.org/markup-compatibility/2006" xmlns:mv="urn:schemas-microsoft-com:mac:vml" xmlns:p="http://schemas.openxmlformats.org/presentationml/2006/main" mc:Ignorable="mv" mc:PreserveAttributes="mv:*">
+<p:sldMaster xmlns:a="http://schemas.openxmlformats.org/drawingml/2006/main" xmlns:r="http://schemas.openxmlformats.org/officeDocument/2006/relationships" xmlns:p="http://schemas.openxmlformats.org/presentationml/2006/main">
   <p:cSld>
     <p:bg>
       <p:bgRef idx="1001">
@@ -3235,7 +3237,7 @@
             <a:fld id="{C60591B3-B4ED-4C31-8AEF-63EEC6A32F51}" type="datetimeFigureOut">
               <a:rPr lang="en-US" smtClean="0"/>
               <a:pPr/>
-              <a:t>9/22/09</a:t>
+              <a:t>9/28/2009</a:t>
             </a:fld>
             <a:endParaRPr lang="en-US"/>
           </a:p>
@@ -3590,7 +3592,7 @@
 </file>
 
 <file path=ppt/slides/slide1.xml><?xml version="1.0" encoding="utf-8"?>
-<p:sld xmlns:a="http://schemas.openxmlformats.org/drawingml/2006/main" xmlns:r="http://schemas.openxmlformats.org/officeDocument/2006/relationships" xmlns:mc="http://schemas.openxmlformats.org/markup-compatibility/2006" xmlns:mv="urn:schemas-microsoft-com:mac:vml" xmlns:p="http://schemas.openxmlformats.org/presentationml/2006/main" mc:Ignorable="mv" mc:PreserveAttributes="mv:*">
+<p:sld xmlns:a="http://schemas.openxmlformats.org/drawingml/2006/main" xmlns:r="http://schemas.openxmlformats.org/officeDocument/2006/relationships" xmlns:p="http://schemas.openxmlformats.org/presentationml/2006/main">
   <p:cSld>
     <p:spTree>
       <p:nvGrpSpPr>
@@ -3645,7 +3647,7 @@
         </p:spPr>
         <p:txBody>
           <a:bodyPr>
-            <a:normAutofit fontScale="90000"/>
+            <a:normAutofit/>
           </a:bodyPr>
           <a:lstStyle/>
           <a:p>
@@ -3655,22 +3657,7 @@
                   <a:srgbClr val="FFC000"/>
                 </a:solidFill>
               </a:rPr>
-              <a:t>Profiling Applications on </a:t>
-            </a:r>
-            <a:br>
-              <a:rPr lang="en-US" dirty="0" smtClean="0">
-                <a:solidFill>
-                  <a:srgbClr val="FFC000"/>
-                </a:solidFill>
-              </a:rPr>
-            </a:br>
-            <a:r>
-              <a:rPr lang="en-US" dirty="0" smtClean="0">
-                <a:solidFill>
-                  <a:srgbClr val="FFC000"/>
-                </a:solidFill>
-              </a:rPr>
-              <a:t>a Non ARM-Instrumented Server via TPTP</a:t>
+              <a:t>Profiling Non ARM-Instrumented Applications via TPTP</a:t>
             </a:r>
             <a:endParaRPr lang="en-US" dirty="0">
               <a:solidFill>
@@ -3721,16 +3708,13 @@
           <a:p>
             <a:r>
               <a:rPr lang="en-US" dirty="0" smtClean="0"/>
-              <a:t>Last Updated: Sep.</a:t>
-            </a:r>
-            <a:r>
-              <a:rPr lang="en-US" dirty="0" smtClean="0"/>
-              <a:t> 22, </a:t>
-            </a:r>
-            <a:r>
-              <a:rPr lang="en-US" dirty="0" smtClean="0"/>
-              <a:t>2009</a:t>
-            </a:r>
+              <a:t>Last Updated: </a:t>
+            </a:r>
+            <a:fld id="{4F850AED-4034-4B5A-9E95-47B9DD2B6BC9}" type="datetime1">
+              <a:rPr lang="en-US" smtClean="0"/>
+              <a:pPr/>
+              <a:t>9/28/2009</a:t>
+            </a:fld>
             <a:endParaRPr lang="en-US" dirty="0"/>
           </a:p>
         </p:txBody>
@@ -3744,7 +3728,74 @@
 </file>
 
 <file path=ppt/slides/slide10.xml><?xml version="1.0" encoding="utf-8"?>
-<p:sld xmlns:a="http://schemas.openxmlformats.org/drawingml/2006/main" xmlns:r="http://schemas.openxmlformats.org/officeDocument/2006/relationships" xmlns:mc="http://schemas.openxmlformats.org/markup-compatibility/2006" xmlns:mv="urn:schemas-microsoft-com:mac:vml" xmlns:p="http://schemas.openxmlformats.org/presentationml/2006/main" mc:Ignorable="mv" mc:PreserveAttributes="mv:*">
+<p:sld xmlns:a="http://schemas.openxmlformats.org/drawingml/2006/main" xmlns:r="http://schemas.openxmlformats.org/officeDocument/2006/relationships" xmlns:p="http://schemas.openxmlformats.org/presentationml/2006/main">
+  <p:cSld>
+    <p:spTree>
+      <p:nvGrpSpPr>
+        <p:cNvPr id="1" name=""/>
+        <p:cNvGrpSpPr/>
+        <p:nvPr/>
+      </p:nvGrpSpPr>
+      <p:grpSpPr>
+        <a:xfrm>
+          <a:off x="0" y="0"/>
+          <a:ext cx="0" cy="0"/>
+          <a:chOff x="0" y="0"/>
+          <a:chExt cx="0" cy="0"/>
+        </a:xfrm>
+      </p:grpSpPr>
+      <p:sp>
+        <p:nvSpPr>
+          <p:cNvPr id="4" name="Title 3"/>
+          <p:cNvSpPr>
+            <a:spLocks noGrp="1"/>
+          </p:cNvSpPr>
+          <p:nvPr>
+            <p:ph type="title"/>
+          </p:nvPr>
+        </p:nvSpPr>
+        <p:spPr/>
+        <p:txBody>
+          <a:bodyPr/>
+          <a:lstStyle/>
+          <a:p>
+            <a:r>
+              <a:rPr lang="en-US" dirty="0" smtClean="0"/>
+              <a:t>Trouble Shooting</a:t>
+            </a:r>
+            <a:endParaRPr lang="en-US" dirty="0"/>
+          </a:p>
+        </p:txBody>
+      </p:sp>
+      <p:sp>
+        <p:nvSpPr>
+          <p:cNvPr id="5" name="Text Placeholder 4"/>
+          <p:cNvSpPr>
+            <a:spLocks noGrp="1"/>
+          </p:cNvSpPr>
+          <p:nvPr>
+            <p:ph type="body" idx="1"/>
+          </p:nvPr>
+        </p:nvSpPr>
+        <p:spPr/>
+        <p:txBody>
+          <a:bodyPr/>
+          <a:lstStyle/>
+          <a:p>
+            <a:endParaRPr lang="en-US"/>
+          </a:p>
+        </p:txBody>
+      </p:sp>
+    </p:spTree>
+  </p:cSld>
+  <p:clrMapOvr>
+    <a:masterClrMapping/>
+  </p:clrMapOvr>
+</p:sld>
+</file>
+
+<file path=ppt/slides/slide11.xml><?xml version="1.0" encoding="utf-8"?>
+<p:sld xmlns:a="http://schemas.openxmlformats.org/drawingml/2006/main" xmlns:r="http://schemas.openxmlformats.org/officeDocument/2006/relationships" xmlns:p="http://schemas.openxmlformats.org/presentationml/2006/main">
   <p:cSld>
     <p:spTree>
       <p:nvGrpSpPr>
@@ -3846,8 +3897,8 @@
 </p:sld>
 </file>
 
-<file path=ppt/slides/slide11.xml><?xml version="1.0" encoding="utf-8"?>
-<p:sld xmlns:a="http://schemas.openxmlformats.org/drawingml/2006/main" xmlns:r="http://schemas.openxmlformats.org/officeDocument/2006/relationships" xmlns:mc="http://schemas.openxmlformats.org/markup-compatibility/2006" xmlns:mv="urn:schemas-microsoft-com:mac:vml" xmlns:p="http://schemas.openxmlformats.org/presentationml/2006/main" mc:Ignorable="mv" mc:PreserveAttributes="mv:*">
+<file path=ppt/slides/slide12.xml><?xml version="1.0" encoding="utf-8"?>
+<p:sld xmlns:a="http://schemas.openxmlformats.org/drawingml/2006/main" xmlns:r="http://schemas.openxmlformats.org/officeDocument/2006/relationships" xmlns:p="http://schemas.openxmlformats.org/presentationml/2006/main">
   <p:cSld>
     <p:spTree>
       <p:nvGrpSpPr>
@@ -3945,8 +3996,8 @@
 </p:sld>
 </file>
 
-<file path=ppt/slides/slide12.xml><?xml version="1.0" encoding="utf-8"?>
-<p:sld xmlns:a="http://schemas.openxmlformats.org/drawingml/2006/main" xmlns:r="http://schemas.openxmlformats.org/officeDocument/2006/relationships" xmlns:mc="http://schemas.openxmlformats.org/markup-compatibility/2006" xmlns:mv="urn:schemas-microsoft-com:mac:vml" xmlns:p="http://schemas.openxmlformats.org/presentationml/2006/main" mc:Ignorable="mv" mc:PreserveAttributes="mv:*">
+<file path=ppt/slides/slide13.xml><?xml version="1.0" encoding="utf-8"?>
+<p:sld xmlns:a="http://schemas.openxmlformats.org/drawingml/2006/main" xmlns:r="http://schemas.openxmlformats.org/officeDocument/2006/relationships" xmlns:p="http://schemas.openxmlformats.org/presentationml/2006/main">
   <p:cSld>
     <p:spTree>
       <p:nvGrpSpPr>
@@ -4044,8 +4095,8 @@
 </p:sld>
 </file>
 
-<file path=ppt/slides/slide13.xml><?xml version="1.0" encoding="utf-8"?>
-<p:sld xmlns:a="http://schemas.openxmlformats.org/drawingml/2006/main" xmlns:r="http://schemas.openxmlformats.org/officeDocument/2006/relationships" xmlns:mc="http://schemas.openxmlformats.org/markup-compatibility/2006" xmlns:mv="urn:schemas-microsoft-com:mac:vml" xmlns:p="http://schemas.openxmlformats.org/presentationml/2006/main" mc:Ignorable="mv" mc:PreserveAttributes="mv:*">
+<file path=ppt/slides/slide14.xml><?xml version="1.0" encoding="utf-8"?>
+<p:sld xmlns:a="http://schemas.openxmlformats.org/drawingml/2006/main" xmlns:r="http://schemas.openxmlformats.org/officeDocument/2006/relationships" xmlns:p="http://schemas.openxmlformats.org/presentationml/2006/main">
   <p:cSld>
     <p:spTree>
       <p:nvGrpSpPr>
@@ -4143,8 +4194,8 @@
 </p:sld>
 </file>
 
-<file path=ppt/slides/slide14.xml><?xml version="1.0" encoding="utf-8"?>
-<p:sld xmlns:a="http://schemas.openxmlformats.org/drawingml/2006/main" xmlns:r="http://schemas.openxmlformats.org/officeDocument/2006/relationships" xmlns:mc="http://schemas.openxmlformats.org/markup-compatibility/2006" xmlns:mv="urn:schemas-microsoft-com:mac:vml" xmlns:p="http://schemas.openxmlformats.org/presentationml/2006/main" mc:Ignorable="mv" mc:PreserveAttributes="mv:*">
+<file path=ppt/slides/slide15.xml><?xml version="1.0" encoding="utf-8"?>
+<p:sld xmlns:a="http://schemas.openxmlformats.org/drawingml/2006/main" xmlns:r="http://schemas.openxmlformats.org/officeDocument/2006/relationships" xmlns:p="http://schemas.openxmlformats.org/presentationml/2006/main">
   <p:cSld>
     <p:spTree>
       <p:nvGrpSpPr>
@@ -4246,8 +4297,8 @@
 </p:sld>
 </file>
 
-<file path=ppt/slides/slide15.xml><?xml version="1.0" encoding="utf-8"?>
-<p:sld xmlns:a="http://schemas.openxmlformats.org/drawingml/2006/main" xmlns:r="http://schemas.openxmlformats.org/officeDocument/2006/relationships" xmlns:mc="http://schemas.openxmlformats.org/markup-compatibility/2006" xmlns:mv="urn:schemas-microsoft-com:mac:vml" xmlns:p="http://schemas.openxmlformats.org/presentationml/2006/main" mc:Ignorable="mv" mc:PreserveAttributes="mv:*">
+<file path=ppt/slides/slide16.xml><?xml version="1.0" encoding="utf-8"?>
+<p:sld xmlns:a="http://schemas.openxmlformats.org/drawingml/2006/main" xmlns:r="http://schemas.openxmlformats.org/officeDocument/2006/relationships" xmlns:p="http://schemas.openxmlformats.org/presentationml/2006/main">
   <p:cSld>
     <p:spTree>
       <p:nvGrpSpPr>
@@ -4319,8 +4370,8 @@
 </p:sld>
 </file>
 
-<file path=ppt/slides/slide16.xml><?xml version="1.0" encoding="utf-8"?>
-<p:sld xmlns:a="http://schemas.openxmlformats.org/drawingml/2006/main" xmlns:r="http://schemas.openxmlformats.org/officeDocument/2006/relationships" xmlns:mc="http://schemas.openxmlformats.org/markup-compatibility/2006" xmlns:mv="urn:schemas-microsoft-com:mac:vml" xmlns:p="http://schemas.openxmlformats.org/presentationml/2006/main" mc:Ignorable="mv" mc:PreserveAttributes="mv:*">
+<file path=ppt/slides/slide17.xml><?xml version="1.0" encoding="utf-8"?>
+<p:sld xmlns:a="http://schemas.openxmlformats.org/drawingml/2006/main" xmlns:r="http://schemas.openxmlformats.org/officeDocument/2006/relationships" xmlns:p="http://schemas.openxmlformats.org/presentationml/2006/main">
   <p:cSld>
     <p:spTree>
       <p:nvGrpSpPr>
@@ -4432,8 +4483,8 @@
 </p:sld>
 </file>
 
-<file path=ppt/slides/slide17.xml><?xml version="1.0" encoding="utf-8"?>
-<p:sld xmlns:a="http://schemas.openxmlformats.org/drawingml/2006/main" xmlns:r="http://schemas.openxmlformats.org/officeDocument/2006/relationships" xmlns:mc="http://schemas.openxmlformats.org/markup-compatibility/2006" xmlns:mv="urn:schemas-microsoft-com:mac:vml" xmlns:p="http://schemas.openxmlformats.org/presentationml/2006/main" mc:Ignorable="mv" mc:PreserveAttributes="mv:*">
+<file path=ppt/slides/slide18.xml><?xml version="1.0" encoding="utf-8"?>
+<p:sld xmlns:a="http://schemas.openxmlformats.org/drawingml/2006/main" xmlns:r="http://schemas.openxmlformats.org/officeDocument/2006/relationships" xmlns:p="http://schemas.openxmlformats.org/presentationml/2006/main">
   <p:cSld>
     <p:spTree>
       <p:nvGrpSpPr>
@@ -4547,8 +4598,8 @@
 </p:sld>
 </file>
 
-<file path=ppt/slides/slide18.xml><?xml version="1.0" encoding="utf-8"?>
-<p:sld xmlns:a="http://schemas.openxmlformats.org/drawingml/2006/main" xmlns:r="http://schemas.openxmlformats.org/officeDocument/2006/relationships" xmlns:mc="http://schemas.openxmlformats.org/markup-compatibility/2006" xmlns:mv="urn:schemas-microsoft-com:mac:vml" xmlns:p="http://schemas.openxmlformats.org/presentationml/2006/main" mc:Ignorable="mv" mc:PreserveAttributes="mv:*">
+<file path=ppt/slides/slide19.xml><?xml version="1.0" encoding="utf-8"?>
+<p:sld xmlns:a="http://schemas.openxmlformats.org/drawingml/2006/main" xmlns:r="http://schemas.openxmlformats.org/officeDocument/2006/relationships" xmlns:p="http://schemas.openxmlformats.org/presentationml/2006/main">
   <p:cSld>
     <p:spTree>
       <p:nvGrpSpPr>
@@ -4614,8 +4665,8 @@
 </p:sld>
 </file>
 
-<file path=ppt/slides/slide19.xml><?xml version="1.0" encoding="utf-8"?>
-<p:sld xmlns:a="http://schemas.openxmlformats.org/drawingml/2006/main" xmlns:r="http://schemas.openxmlformats.org/officeDocument/2006/relationships" xmlns:mc="http://schemas.openxmlformats.org/markup-compatibility/2006" xmlns:mv="urn:schemas-microsoft-com:mac:vml" xmlns:p="http://schemas.openxmlformats.org/presentationml/2006/main" mc:Ignorable="mv" mc:PreserveAttributes="mv:*">
+<file path=ppt/slides/slide2.xml><?xml version="1.0" encoding="utf-8"?>
+<p:sld xmlns:a="http://schemas.openxmlformats.org/drawingml/2006/main" xmlns:r="http://schemas.openxmlformats.org/officeDocument/2006/relationships" xmlns:p="http://schemas.openxmlformats.org/presentationml/2006/main">
   <p:cSld>
     <p:spTree>
       <p:nvGrpSpPr>
@@ -4633,7 +4684,7 @@
       </p:grpSpPr>
       <p:sp>
         <p:nvSpPr>
-          <p:cNvPr id="2" name="Title 1"/>
+          <p:cNvPr id="4" name="Title 3"/>
           <p:cNvSpPr>
             <a:spLocks noGrp="1"/>
           </p:cNvSpPr>
@@ -4648,229 +4699,32 @@
           <a:p>
             <a:r>
               <a:rPr lang="en-US" dirty="0" smtClean="0"/>
-              <a:t>.</a:t>
-            </a:r>
-            <a:r>
-              <a:rPr lang="en-US" dirty="0" err="1" smtClean="0"/>
-              <a:t>bashrc</a:t>
-            </a:r>
+              <a:t>Prerequisites</a:t>
+            </a:r>
+            <a:endParaRPr lang="en-US" dirty="0"/>
+          </a:p>
+        </p:txBody>
+      </p:sp>
+      <p:sp>
+        <p:nvSpPr>
+          <p:cNvPr id="5" name="Text Placeholder 4"/>
+          <p:cNvSpPr>
+            <a:spLocks noGrp="1"/>
+          </p:cNvSpPr>
+          <p:nvPr>
+            <p:ph type="body" idx="1"/>
+          </p:nvPr>
+        </p:nvSpPr>
+        <p:spPr/>
+        <p:txBody>
+          <a:bodyPr/>
+          <a:lstStyle/>
+          <a:p>
             <a:r>
               <a:rPr lang="en-US" dirty="0" smtClean="0"/>
-              <a:t> on Linux</a:t>
+              <a:t>Part II</a:t>
             </a:r>
             <a:endParaRPr lang="en-US" dirty="0"/>
-          </a:p>
-        </p:txBody>
-      </p:sp>
-      <p:sp>
-        <p:nvSpPr>
-          <p:cNvPr id="3" name="Content Placeholder 2"/>
-          <p:cNvSpPr>
-            <a:spLocks noGrp="1"/>
-          </p:cNvSpPr>
-          <p:nvPr>
-            <p:ph idx="1"/>
-          </p:nvPr>
-        </p:nvSpPr>
-        <p:spPr/>
-        <p:txBody>
-          <a:bodyPr>
-            <a:normAutofit/>
-          </a:bodyPr>
-          <a:lstStyle/>
-          <a:p>
-            <a:pPr>
-              <a:buNone/>
-            </a:pPr>
-            <a:r>
-              <a:rPr lang="en-US" sz="1200" dirty="0" smtClean="0">
-                <a:latin typeface="Courier New" pitchFamily="49" charset="0"/>
-                <a:cs typeface="Courier New" pitchFamily="49" charset="0"/>
-              </a:rPr>
-              <a:t># “</a:t>
-            </a:r>
-            <a:r>
-              <a:rPr lang="en-US" sz="1200" dirty="0" err="1" smtClean="0">
-                <a:latin typeface="Courier New" pitchFamily="49" charset="0"/>
-                <a:cs typeface="Courier New" pitchFamily="49" charset="0"/>
-              </a:rPr>
-              <a:t>PerftTest</a:t>
-            </a:r>
-            <a:r>
-              <a:rPr lang="en-US" sz="1200" dirty="0" smtClean="0">
-                <a:latin typeface="Courier New" pitchFamily="49" charset="0"/>
-                <a:cs typeface="Courier New" pitchFamily="49" charset="0"/>
-              </a:rPr>
-              <a:t>(ARM)” project</a:t>
-            </a:r>
-          </a:p>
-          <a:p>
-            <a:pPr>
-              <a:buNone/>
-            </a:pPr>
-            <a:endParaRPr lang="en-US" sz="1200" dirty="0" smtClean="0">
-              <a:latin typeface="Courier New" pitchFamily="49" charset="0"/>
-              <a:cs typeface="Courier New" pitchFamily="49" charset="0"/>
-            </a:endParaRPr>
-          </a:p>
-          <a:p>
-            <a:pPr>
-              <a:buNone/>
-            </a:pPr>
-            <a:r>
-              <a:rPr lang="en-US" sz="1200" dirty="0" smtClean="0">
-                <a:latin typeface="Courier New" pitchFamily="49" charset="0"/>
-                <a:cs typeface="Courier New" pitchFamily="49" charset="0"/>
-              </a:rPr>
-              <a:t># “</a:t>
-            </a:r>
-            <a:r>
-              <a:rPr lang="en-US" sz="1200" dirty="0" err="1" smtClean="0">
-                <a:latin typeface="Courier New" pitchFamily="49" charset="0"/>
-                <a:cs typeface="Courier New" pitchFamily="49" charset="0"/>
-              </a:rPr>
-              <a:t>PerftTest</a:t>
-            </a:r>
-            <a:r>
-              <a:rPr lang="en-US" sz="1200" dirty="0" smtClean="0">
-                <a:latin typeface="Courier New" pitchFamily="49" charset="0"/>
-                <a:cs typeface="Courier New" pitchFamily="49" charset="0"/>
-              </a:rPr>
-              <a:t>(TPTP)” project</a:t>
-            </a:r>
-          </a:p>
-          <a:p>
-            <a:pPr>
-              <a:buNone/>
-            </a:pPr>
-            <a:r>
-              <a:rPr lang="en-US" sz="1200" dirty="0" smtClean="0">
-                <a:latin typeface="Courier New" pitchFamily="49" charset="0"/>
-                <a:cs typeface="Courier New" pitchFamily="49" charset="0"/>
-              </a:rPr>
-              <a:t>export </a:t>
-            </a:r>
-            <a:r>
-              <a:rPr lang="en-US" sz="1200" b="1" dirty="0" smtClean="0">
-                <a:latin typeface="Courier New" pitchFamily="49" charset="0"/>
-                <a:cs typeface="Courier New" pitchFamily="49" charset="0"/>
-              </a:rPr>
-              <a:t>TPTP_AC_HOME</a:t>
-            </a:r>
-            <a:r>
-              <a:rPr lang="en-US" sz="1200" dirty="0" smtClean="0">
-                <a:latin typeface="Courier New" pitchFamily="49" charset="0"/>
-                <a:cs typeface="Courier New" pitchFamily="49" charset="0"/>
-              </a:rPr>
-              <a:t>=/opt/TPTP</a:t>
-            </a:r>
-          </a:p>
-          <a:p>
-            <a:pPr>
-              <a:buNone/>
-            </a:pPr>
-            <a:r>
-              <a:rPr lang="en-US" sz="1200" dirty="0" smtClean="0">
-                <a:latin typeface="Courier New" pitchFamily="49" charset="0"/>
-                <a:cs typeface="Courier New" pitchFamily="49" charset="0"/>
-              </a:rPr>
-              <a:t>export </a:t>
-            </a:r>
-            <a:r>
-              <a:rPr lang="en-US" sz="1200" b="1" dirty="0" smtClean="0">
-                <a:latin typeface="Courier New" pitchFamily="49" charset="0"/>
-                <a:cs typeface="Courier New" pitchFamily="49" charset="0"/>
-              </a:rPr>
-              <a:t>JAVA_PROFILER_HOME</a:t>
-            </a:r>
-            <a:r>
-              <a:rPr lang="en-US" sz="1200" dirty="0" smtClean="0">
-                <a:latin typeface="Courier New" pitchFamily="49" charset="0"/>
-                <a:cs typeface="Courier New" pitchFamily="49" charset="0"/>
-              </a:rPr>
-              <a:t>=$TPTP_AC_HOME/</a:t>
-            </a:r>
-            <a:r>
-              <a:rPr lang="en-US" sz="1200" dirty="0" err="1" smtClean="0">
-                <a:latin typeface="Courier New" pitchFamily="49" charset="0"/>
-                <a:cs typeface="Courier New" pitchFamily="49" charset="0"/>
-              </a:rPr>
-              <a:t>plugins</a:t>
-            </a:r>
-            <a:r>
-              <a:rPr lang="en-US" sz="1200" dirty="0" smtClean="0">
-                <a:latin typeface="Courier New" pitchFamily="49" charset="0"/>
-                <a:cs typeface="Courier New" pitchFamily="49" charset="0"/>
-              </a:rPr>
-              <a:t>/</a:t>
-            </a:r>
-            <a:r>
-              <a:rPr lang="en-US" sz="1200" dirty="0" err="1" smtClean="0">
-                <a:latin typeface="Courier New" pitchFamily="49" charset="0"/>
-                <a:cs typeface="Courier New" pitchFamily="49" charset="0"/>
-              </a:rPr>
-              <a:t>org.eclipse.tptp.javaprofiler</a:t>
-            </a:r>
-            <a:endParaRPr lang="en-US" sz="1200" dirty="0" smtClean="0">
-              <a:latin typeface="Courier New" pitchFamily="49" charset="0"/>
-              <a:cs typeface="Courier New" pitchFamily="49" charset="0"/>
-            </a:endParaRPr>
-          </a:p>
-          <a:p>
-            <a:pPr>
-              <a:buNone/>
-            </a:pPr>
-            <a:r>
-              <a:rPr lang="en-US" sz="1200" dirty="0" smtClean="0">
-                <a:latin typeface="Courier New" pitchFamily="49" charset="0"/>
-                <a:cs typeface="Courier New" pitchFamily="49" charset="0"/>
-              </a:rPr>
-              <a:t>export </a:t>
-            </a:r>
-            <a:r>
-              <a:rPr lang="en-US" sz="1200" b="1" dirty="0" smtClean="0">
-                <a:latin typeface="Courier New" pitchFamily="49" charset="0"/>
-                <a:cs typeface="Courier New" pitchFamily="49" charset="0"/>
-              </a:rPr>
-              <a:t>PATH</a:t>
-            </a:r>
-            <a:r>
-              <a:rPr lang="en-US" sz="1200" dirty="0" smtClean="0">
-                <a:latin typeface="Courier New" pitchFamily="49" charset="0"/>
-                <a:cs typeface="Courier New" pitchFamily="49" charset="0"/>
-              </a:rPr>
-              <a:t>=$TPTP_AC_HOME/bin:$JAVA_PROFILER_HOME</a:t>
-            </a:r>
-          </a:p>
-          <a:p>
-            <a:pPr>
-              <a:buNone/>
-            </a:pPr>
-            <a:r>
-              <a:rPr lang="en-US" sz="1200" dirty="0" smtClean="0">
-                <a:latin typeface="Courier New" pitchFamily="49" charset="0"/>
-                <a:cs typeface="Courier New" pitchFamily="49" charset="0"/>
-              </a:rPr>
-              <a:t>export </a:t>
-            </a:r>
-            <a:r>
-              <a:rPr lang="en-US" sz="1200" b="1" dirty="0" smtClean="0">
-                <a:latin typeface="Courier New" pitchFamily="49" charset="0"/>
-                <a:cs typeface="Courier New" pitchFamily="49" charset="0"/>
-              </a:rPr>
-              <a:t>LD_LIBRARY_HOME</a:t>
-            </a:r>
-            <a:r>
-              <a:rPr lang="en-US" sz="1200" dirty="0" smtClean="0">
-                <a:latin typeface="Courier New" pitchFamily="49" charset="0"/>
-                <a:cs typeface="Courier New" pitchFamily="49" charset="0"/>
-              </a:rPr>
-              <a:t>=$LD_LIBRARY_HOME:</a:t>
-            </a:r>
-            <a:endParaRPr lang="en-US" sz="1200" dirty="0">
-              <a:latin typeface="Courier New" pitchFamily="49" charset="0"/>
-              <a:cs typeface="Courier New" pitchFamily="49" charset="0"/>
-            </a:endParaRPr>
           </a:p>
         </p:txBody>
       </p:sp>
@@ -4882,8 +4736,8 @@
 </p:sld>
 </file>
 
-<file path=ppt/slides/slide2.xml><?xml version="1.0" encoding="utf-8"?>
-<p:sld xmlns:a="http://schemas.openxmlformats.org/drawingml/2006/main" xmlns:r="http://schemas.openxmlformats.org/officeDocument/2006/relationships" xmlns:mc="http://schemas.openxmlformats.org/markup-compatibility/2006" xmlns:mv="urn:schemas-microsoft-com:mac:vml" xmlns:p="http://schemas.openxmlformats.org/presentationml/2006/main" mc:Ignorable="mv" mc:PreserveAttributes="mv:*">
+<file path=ppt/slides/slide20.xml><?xml version="1.0" encoding="utf-8"?>
+<p:sld xmlns:a="http://schemas.openxmlformats.org/drawingml/2006/main" xmlns:r="http://schemas.openxmlformats.org/officeDocument/2006/relationships" xmlns:p="http://schemas.openxmlformats.org/presentationml/2006/main">
   <p:cSld>
     <p:spTree>
       <p:nvGrpSpPr>
@@ -4901,7 +4755,7 @@
       </p:grpSpPr>
       <p:sp>
         <p:nvSpPr>
-          <p:cNvPr id="4" name="Title 3"/>
+          <p:cNvPr id="2" name="Title 1"/>
           <p:cNvSpPr>
             <a:spLocks noGrp="1"/>
           </p:cNvSpPr>
@@ -4916,7 +4770,15 @@
           <a:p>
             <a:r>
               <a:rPr lang="en-US" dirty="0" smtClean="0"/>
-              <a:t>Prerequisites</a:t>
+              <a:t>.</a:t>
+            </a:r>
+            <a:r>
+              <a:rPr lang="en-US" dirty="0" err="1" smtClean="0"/>
+              <a:t>bashrc</a:t>
+            </a:r>
+            <a:r>
+              <a:rPr lang="en-US" dirty="0" smtClean="0"/>
+              <a:t> on Linux</a:t>
             </a:r>
             <a:endParaRPr lang="en-US" dirty="0"/>
           </a:p>
@@ -4924,24 +4786,213 @@
       </p:sp>
       <p:sp>
         <p:nvSpPr>
-          <p:cNvPr id="5" name="Text Placeholder 4"/>
-          <p:cNvSpPr>
-            <a:spLocks noGrp="1"/>
-          </p:cNvSpPr>
-          <p:nvPr>
-            <p:ph type="body" idx="1"/>
-          </p:nvPr>
-        </p:nvSpPr>
-        <p:spPr/>
-        <p:txBody>
-          <a:bodyPr/>
-          <a:lstStyle/>
-          <a:p>
-            <a:r>
-              <a:rPr lang="en-US" dirty="0" smtClean="0"/>
-              <a:t>Part II</a:t>
-            </a:r>
-            <a:endParaRPr lang="en-US" dirty="0"/>
+          <p:cNvPr id="3" name="Content Placeholder 2"/>
+          <p:cNvSpPr>
+            <a:spLocks noGrp="1"/>
+          </p:cNvSpPr>
+          <p:nvPr>
+            <p:ph idx="1"/>
+          </p:nvPr>
+        </p:nvSpPr>
+        <p:spPr/>
+        <p:txBody>
+          <a:bodyPr>
+            <a:normAutofit/>
+          </a:bodyPr>
+          <a:lstStyle/>
+          <a:p>
+            <a:pPr>
+              <a:buNone/>
+            </a:pPr>
+            <a:r>
+              <a:rPr lang="en-US" sz="1200" dirty="0" smtClean="0">
+                <a:latin typeface="Courier New" pitchFamily="49" charset="0"/>
+                <a:cs typeface="Courier New" pitchFamily="49" charset="0"/>
+              </a:rPr>
+              <a:t># “</a:t>
+            </a:r>
+            <a:r>
+              <a:rPr lang="en-US" sz="1200" dirty="0" err="1" smtClean="0">
+                <a:latin typeface="Courier New" pitchFamily="49" charset="0"/>
+                <a:cs typeface="Courier New" pitchFamily="49" charset="0"/>
+              </a:rPr>
+              <a:t>PerftTest</a:t>
+            </a:r>
+            <a:r>
+              <a:rPr lang="en-US" sz="1200" dirty="0" smtClean="0">
+                <a:latin typeface="Courier New" pitchFamily="49" charset="0"/>
+                <a:cs typeface="Courier New" pitchFamily="49" charset="0"/>
+              </a:rPr>
+              <a:t>(ARM)” project</a:t>
+            </a:r>
+          </a:p>
+          <a:p>
+            <a:pPr>
+              <a:buNone/>
+            </a:pPr>
+            <a:endParaRPr lang="en-US" sz="1200" dirty="0" smtClean="0">
+              <a:latin typeface="Courier New" pitchFamily="49" charset="0"/>
+              <a:cs typeface="Courier New" pitchFamily="49" charset="0"/>
+            </a:endParaRPr>
+          </a:p>
+          <a:p>
+            <a:pPr>
+              <a:buNone/>
+            </a:pPr>
+            <a:r>
+              <a:rPr lang="en-US" sz="1200" dirty="0" smtClean="0">
+                <a:latin typeface="Courier New" pitchFamily="49" charset="0"/>
+                <a:cs typeface="Courier New" pitchFamily="49" charset="0"/>
+              </a:rPr>
+              <a:t># “</a:t>
+            </a:r>
+            <a:r>
+              <a:rPr lang="en-US" sz="1200" dirty="0" err="1" smtClean="0">
+                <a:latin typeface="Courier New" pitchFamily="49" charset="0"/>
+                <a:cs typeface="Courier New" pitchFamily="49" charset="0"/>
+              </a:rPr>
+              <a:t>PerftTest</a:t>
+            </a:r>
+            <a:r>
+              <a:rPr lang="en-US" sz="1200" dirty="0" smtClean="0">
+                <a:latin typeface="Courier New" pitchFamily="49" charset="0"/>
+                <a:cs typeface="Courier New" pitchFamily="49" charset="0"/>
+              </a:rPr>
+              <a:t>(TPTP)” project</a:t>
+            </a:r>
+          </a:p>
+          <a:p>
+            <a:pPr>
+              <a:buNone/>
+            </a:pPr>
+            <a:r>
+              <a:rPr lang="en-US" sz="1200" dirty="0" smtClean="0">
+                <a:latin typeface="Courier New" pitchFamily="49" charset="0"/>
+                <a:cs typeface="Courier New" pitchFamily="49" charset="0"/>
+              </a:rPr>
+              <a:t>export </a:t>
+            </a:r>
+            <a:r>
+              <a:rPr lang="en-US" sz="1200" b="1" dirty="0" smtClean="0">
+                <a:latin typeface="Courier New" pitchFamily="49" charset="0"/>
+                <a:cs typeface="Courier New" pitchFamily="49" charset="0"/>
+              </a:rPr>
+              <a:t>TPTP_AC_HOME</a:t>
+            </a:r>
+            <a:r>
+              <a:rPr lang="en-US" sz="1200" dirty="0" smtClean="0">
+                <a:latin typeface="Courier New" pitchFamily="49" charset="0"/>
+                <a:cs typeface="Courier New" pitchFamily="49" charset="0"/>
+              </a:rPr>
+              <a:t>=/opt/TPTP</a:t>
+            </a:r>
+          </a:p>
+          <a:p>
+            <a:pPr>
+              <a:buNone/>
+            </a:pPr>
+            <a:r>
+              <a:rPr lang="en-US" sz="1200" dirty="0" smtClean="0">
+                <a:latin typeface="Courier New" pitchFamily="49" charset="0"/>
+                <a:cs typeface="Courier New" pitchFamily="49" charset="0"/>
+              </a:rPr>
+              <a:t>export </a:t>
+            </a:r>
+            <a:r>
+              <a:rPr lang="en-US" sz="1200" b="1" dirty="0" smtClean="0">
+                <a:latin typeface="Courier New" pitchFamily="49" charset="0"/>
+                <a:cs typeface="Courier New" pitchFamily="49" charset="0"/>
+              </a:rPr>
+              <a:t>JAVA_PROFILER_HOME</a:t>
+            </a:r>
+            <a:r>
+              <a:rPr lang="en-US" sz="1200" dirty="0" smtClean="0">
+                <a:latin typeface="Courier New" pitchFamily="49" charset="0"/>
+                <a:cs typeface="Courier New" pitchFamily="49" charset="0"/>
+              </a:rPr>
+              <a:t>=$TPTP_AC_HOME/</a:t>
+            </a:r>
+            <a:r>
+              <a:rPr lang="en-US" sz="1200" dirty="0" err="1" smtClean="0">
+                <a:latin typeface="Courier New" pitchFamily="49" charset="0"/>
+                <a:cs typeface="Courier New" pitchFamily="49" charset="0"/>
+              </a:rPr>
+              <a:t>plugins</a:t>
+            </a:r>
+            <a:r>
+              <a:rPr lang="en-US" sz="1200" dirty="0" smtClean="0">
+                <a:latin typeface="Courier New" pitchFamily="49" charset="0"/>
+                <a:cs typeface="Courier New" pitchFamily="49" charset="0"/>
+              </a:rPr>
+              <a:t>/</a:t>
+            </a:r>
+            <a:r>
+              <a:rPr lang="en-US" sz="1200" dirty="0" err="1" smtClean="0">
+                <a:latin typeface="Courier New" pitchFamily="49" charset="0"/>
+                <a:cs typeface="Courier New" pitchFamily="49" charset="0"/>
+              </a:rPr>
+              <a:t>org.eclipse.tptp.javaprofiler</a:t>
+            </a:r>
+            <a:endParaRPr lang="en-US" sz="1200" dirty="0" smtClean="0">
+              <a:latin typeface="Courier New" pitchFamily="49" charset="0"/>
+              <a:cs typeface="Courier New" pitchFamily="49" charset="0"/>
+            </a:endParaRPr>
+          </a:p>
+          <a:p>
+            <a:pPr>
+              <a:buNone/>
+            </a:pPr>
+            <a:r>
+              <a:rPr lang="en-US" sz="1200" dirty="0" smtClean="0">
+                <a:latin typeface="Courier New" pitchFamily="49" charset="0"/>
+                <a:cs typeface="Courier New" pitchFamily="49" charset="0"/>
+              </a:rPr>
+              <a:t>export </a:t>
+            </a:r>
+            <a:r>
+              <a:rPr lang="en-US" sz="1200" b="1" dirty="0" smtClean="0">
+                <a:latin typeface="Courier New" pitchFamily="49" charset="0"/>
+                <a:cs typeface="Courier New" pitchFamily="49" charset="0"/>
+              </a:rPr>
+              <a:t>PATH</a:t>
+            </a:r>
+            <a:r>
+              <a:rPr lang="en-US" sz="1200" dirty="0" smtClean="0">
+                <a:latin typeface="Courier New" pitchFamily="49" charset="0"/>
+                <a:cs typeface="Courier New" pitchFamily="49" charset="0"/>
+              </a:rPr>
+              <a:t>=$TPTP_AC_HOME/bin:$JAVA_PROFILER_HOME</a:t>
+            </a:r>
+          </a:p>
+          <a:p>
+            <a:pPr>
+              <a:buNone/>
+            </a:pPr>
+            <a:r>
+              <a:rPr lang="en-US" sz="1200" dirty="0" smtClean="0">
+                <a:latin typeface="Courier New" pitchFamily="49" charset="0"/>
+                <a:cs typeface="Courier New" pitchFamily="49" charset="0"/>
+              </a:rPr>
+              <a:t>export </a:t>
+            </a:r>
+            <a:r>
+              <a:rPr lang="en-US" sz="1200" b="1" dirty="0" smtClean="0">
+                <a:latin typeface="Courier New" pitchFamily="49" charset="0"/>
+                <a:cs typeface="Courier New" pitchFamily="49" charset="0"/>
+              </a:rPr>
+              <a:t>LD_LIBRARY_HOME</a:t>
+            </a:r>
+            <a:r>
+              <a:rPr lang="en-US" sz="1200" dirty="0" smtClean="0">
+                <a:latin typeface="Courier New" pitchFamily="49" charset="0"/>
+                <a:cs typeface="Courier New" pitchFamily="49" charset="0"/>
+              </a:rPr>
+              <a:t>=$LD_LIBRARY_HOME:</a:t>
+            </a:r>
+            <a:endParaRPr lang="en-US" sz="1200" dirty="0">
+              <a:latin typeface="Courier New" pitchFamily="49" charset="0"/>
+              <a:cs typeface="Courier New" pitchFamily="49" charset="0"/>
+            </a:endParaRPr>
           </a:p>
         </p:txBody>
       </p:sp>
@@ -4953,8 +5004,8 @@
 </p:sld>
 </file>
 
-<file path=ppt/slides/slide20.xml><?xml version="1.0" encoding="utf-8"?>
-<p:sld xmlns:a="http://schemas.openxmlformats.org/drawingml/2006/main" xmlns:r="http://schemas.openxmlformats.org/officeDocument/2006/relationships" xmlns:mc="http://schemas.openxmlformats.org/markup-compatibility/2006" xmlns:mv="urn:schemas-microsoft-com:mac:vml" xmlns:p="http://schemas.openxmlformats.org/presentationml/2006/main" mc:Ignorable="mv" mc:PreserveAttributes="mv:*">
+<file path=ppt/slides/slide21.xml><?xml version="1.0" encoding="utf-8"?>
+<p:sld xmlns:a="http://schemas.openxmlformats.org/drawingml/2006/main" xmlns:r="http://schemas.openxmlformats.org/officeDocument/2006/relationships" xmlns:p="http://schemas.openxmlformats.org/presentationml/2006/main">
   <p:cSld>
     <p:spTree>
       <p:nvGrpSpPr>
@@ -5138,8 +5189,8 @@
 </p:sld>
 </file>
 
-<file path=ppt/slides/slide21.xml><?xml version="1.0" encoding="utf-8"?>
-<p:sld xmlns:a="http://schemas.openxmlformats.org/drawingml/2006/main" xmlns:r="http://schemas.openxmlformats.org/officeDocument/2006/relationships" xmlns:mc="http://schemas.openxmlformats.org/markup-compatibility/2006" xmlns:mv="urn:schemas-microsoft-com:mac:vml" xmlns:p="http://schemas.openxmlformats.org/presentationml/2006/main" mc:Ignorable="mv" mc:PreserveAttributes="mv:*">
+<file path=ppt/slides/slide22.xml><?xml version="1.0" encoding="utf-8"?>
+<p:sld xmlns:a="http://schemas.openxmlformats.org/drawingml/2006/main" xmlns:r="http://schemas.openxmlformats.org/officeDocument/2006/relationships" xmlns:p="http://schemas.openxmlformats.org/presentationml/2006/main">
   <p:cSld>
     <p:spTree>
       <p:nvGrpSpPr>
@@ -5305,8 +5356,8 @@
 </p:sld>
 </file>
 
-<file path=ppt/slides/slide3.xml><?xml version="1.0" encoding="utf-8"?>
-<p:sld xmlns:a="http://schemas.openxmlformats.org/drawingml/2006/main" xmlns:r="http://schemas.openxmlformats.org/officeDocument/2006/relationships" xmlns:mc="http://schemas.openxmlformats.org/markup-compatibility/2006" xmlns:mv="urn:schemas-microsoft-com:mac:vml" xmlns:p="http://schemas.openxmlformats.org/presentationml/2006/main" mc:Ignorable="mv" mc:PreserveAttributes="mv:*">
+<file path=ppt/slides/slide23.xml><?xml version="1.0" encoding="utf-8"?>
+<p:sld xmlns:a="http://schemas.openxmlformats.org/drawingml/2006/main" xmlns:r="http://schemas.openxmlformats.org/officeDocument/2006/relationships" xmlns:p="http://schemas.openxmlformats.org/presentationml/2006/main">
   <p:cSld>
     <p:spTree>
       <p:nvGrpSpPr>
@@ -5324,6 +5375,85 @@
       </p:grpSpPr>
       <p:sp>
         <p:nvSpPr>
+          <p:cNvPr id="2" name="Title 1"/>
+          <p:cNvSpPr>
+            <a:spLocks noGrp="1"/>
+          </p:cNvSpPr>
+          <p:nvPr>
+            <p:ph type="title"/>
+          </p:nvPr>
+        </p:nvSpPr>
+        <p:spPr/>
+        <p:txBody>
+          <a:bodyPr/>
+          <a:lstStyle/>
+          <a:p>
+            <a:r>
+              <a:rPr lang="en-US" dirty="0" smtClean="0"/>
+              <a:t>References</a:t>
+            </a:r>
+            <a:endParaRPr lang="en-US" dirty="0"/>
+          </a:p>
+        </p:txBody>
+      </p:sp>
+      <p:sp>
+        <p:nvSpPr>
+          <p:cNvPr id="3" name="Content Placeholder 2"/>
+          <p:cNvSpPr>
+            <a:spLocks noGrp="1"/>
+          </p:cNvSpPr>
+          <p:nvPr>
+            <p:ph idx="1"/>
+          </p:nvPr>
+        </p:nvSpPr>
+        <p:spPr/>
+        <p:txBody>
+          <a:bodyPr/>
+          <a:lstStyle/>
+          <a:p>
+            <a:r>
+              <a:rPr lang="en-US" dirty="0" smtClean="0"/>
+              <a:t>Creating Custom Profilers with </a:t>
+            </a:r>
+            <a:r>
+              <a:rPr lang="en-US" dirty="0" err="1" smtClean="0"/>
+              <a:t>Probekit</a:t>
+            </a:r>
+            <a:r>
+              <a:rPr lang="en-US" smtClean="0"/>
+              <a:t> (http://www.eclipse.org/tptp/platform/documents/probekit/probekit_4.3.html)</a:t>
+            </a:r>
+            <a:endParaRPr lang="en-US"/>
+          </a:p>
+        </p:txBody>
+      </p:sp>
+    </p:spTree>
+  </p:cSld>
+  <p:clrMapOvr>
+    <a:masterClrMapping/>
+  </p:clrMapOvr>
+</p:sld>
+</file>
+
+<file path=ppt/slides/slide3.xml><?xml version="1.0" encoding="utf-8"?>
+<p:sld xmlns:a="http://schemas.openxmlformats.org/drawingml/2006/main" xmlns:r="http://schemas.openxmlformats.org/officeDocument/2006/relationships" xmlns:p="http://schemas.openxmlformats.org/presentationml/2006/main">
+  <p:cSld>
+    <p:spTree>
+      <p:nvGrpSpPr>
+        <p:cNvPr id="1" name=""/>
+        <p:cNvGrpSpPr/>
+        <p:nvPr/>
+      </p:nvGrpSpPr>
+      <p:grpSpPr>
+        <a:xfrm>
+          <a:off x="0" y="0"/>
+          <a:ext cx="0" cy="0"/>
+          <a:chOff x="0" y="0"/>
+          <a:chExt cx="0" cy="0"/>
+        </a:xfrm>
+      </p:grpSpPr>
+      <p:sp>
+        <p:nvSpPr>
           <p:cNvPr id="4" name="Title 3"/>
           <p:cNvSpPr>
             <a:spLocks noGrp="1"/>
@@ -5388,36 +5518,23 @@
               <a:rPr lang="en-US" dirty="0" smtClean="0"/>
               <a:t>”</a:t>
             </a:r>
-            <a:endParaRPr lang="en-US" dirty="0" smtClean="0"/>
           </a:p>
           <a:p>
             <a:pPr lvl="1"/>
             <a:r>
               <a:rPr lang="en-US" dirty="0" smtClean="0"/>
-              <a:t>TPTP Standalone Agent v4.5.1 </a:t>
-            </a:r>
+              <a:t>TPTP Standalone Agent v4.5.1 Setup</a:t>
+            </a:r>
+          </a:p>
+          <a:p>
+            <a:pPr lvl="2"/>
             <a:r>
               <a:rPr lang="en-US" dirty="0" smtClean="0"/>
-              <a:t>Setup</a:t>
-            </a:r>
-          </a:p>
-          <a:p>
-            <a:pPr lvl="2"/>
-            <a:r>
-              <a:rPr lang="en-US" dirty="0" smtClean="0"/>
-              <a:t>Refer to “PerfTest –Setup </a:t>
-            </a:r>
-            <a:r>
-              <a:rPr lang="en-US" dirty="0" smtClean="0"/>
-              <a:t>(</a:t>
+              <a:t>Refer to “PerfTest –Setup (</a:t>
             </a:r>
             <a:r>
               <a:rPr lang="en-US" dirty="0" err="1" smtClean="0"/>
-              <a:t>TPTP)</a:t>
-            </a:r>
-            <a:r>
-              <a:rPr lang="en-US" dirty="0" err="1" smtClean="0"/>
-              <a:t>.ppt</a:t>
+              <a:t>TPTP).ppt</a:t>
             </a:r>
             <a:r>
               <a:rPr lang="en-US" dirty="0" smtClean="0"/>
@@ -5429,36 +5546,23 @@
               <a:rPr lang="en-US" dirty="0" smtClean="0"/>
               <a:t>Client Side</a:t>
             </a:r>
-            <a:endParaRPr lang="en-US" dirty="0" smtClean="0"/>
           </a:p>
           <a:p>
             <a:pPr lvl="1"/>
             <a:r>
               <a:rPr lang="en-US" dirty="0" smtClean="0"/>
-              <a:t>TPTP all-in-one v4.5.1 </a:t>
-            </a:r>
+              <a:t>TPTP all-in-one v4.5.1 Setup</a:t>
+            </a:r>
+          </a:p>
+          <a:p>
+            <a:pPr lvl="2"/>
             <a:r>
               <a:rPr lang="en-US" dirty="0" smtClean="0"/>
-              <a:t>Setup</a:t>
-            </a:r>
-          </a:p>
-          <a:p>
-            <a:pPr lvl="2"/>
-            <a:r>
-              <a:rPr lang="en-US" dirty="0" smtClean="0"/>
-              <a:t>Refer to “PerfTest – Setup </a:t>
-            </a:r>
-            <a:r>
-              <a:rPr lang="en-US" dirty="0" smtClean="0"/>
-              <a:t>(</a:t>
+              <a:t>Refer to “PerfTest – Setup (</a:t>
             </a:r>
             <a:r>
               <a:rPr lang="en-US" dirty="0" err="1" smtClean="0"/>
-              <a:t>TPTP)</a:t>
-            </a:r>
-            <a:r>
-              <a:rPr lang="en-US" dirty="0" err="1" smtClean="0"/>
-              <a:t>.pptx</a:t>
+              <a:t>TPTP).pptx</a:t>
             </a:r>
             <a:r>
               <a:rPr lang="en-US" dirty="0" smtClean="0"/>
@@ -5479,7 +5583,7 @@
 </file>
 
 <file path=ppt/slides/slide4.xml><?xml version="1.0" encoding="utf-8"?>
-<p:sld xmlns:a="http://schemas.openxmlformats.org/drawingml/2006/main" xmlns:r="http://schemas.openxmlformats.org/officeDocument/2006/relationships" xmlns:mc="http://schemas.openxmlformats.org/markup-compatibility/2006" xmlns:mv="urn:schemas-microsoft-com:mac:vml" xmlns:p="http://schemas.openxmlformats.org/presentationml/2006/main" mc:Ignorable="mv" mc:PreserveAttributes="mv:*">
+<p:sld xmlns:a="http://schemas.openxmlformats.org/drawingml/2006/main" xmlns:r="http://schemas.openxmlformats.org/officeDocument/2006/relationships" xmlns:p="http://schemas.openxmlformats.org/presentationml/2006/main">
   <p:cSld>
     <p:spTree>
       <p:nvGrpSpPr>
@@ -5688,15 +5792,7 @@
             </a:pPr>
             <a:r>
               <a:rPr lang="en-US" sz="1400" dirty="0" smtClean="0"/>
-              <a:t> Java</a:t>
-            </a:r>
-            <a:r>
-              <a:rPr lang="en-US" sz="1400" dirty="0" smtClean="0"/>
-              <a:t> v1.5 </a:t>
-            </a:r>
-            <a:r>
-              <a:rPr lang="en-US" sz="1400" dirty="0" smtClean="0"/>
-              <a:t>or lower</a:t>
+              <a:t> Java v1.5 or lower</a:t>
             </a:r>
           </a:p>
           <a:p>
@@ -5724,17 +5820,8 @@
             </a:pPr>
             <a:r>
               <a:rPr lang="en-US" sz="1400" dirty="0" smtClean="0"/>
-              <a:t> TPTP Standalone </a:t>
-            </a:r>
-            <a:r>
-              <a:rPr lang="en-US" sz="1400" dirty="0" smtClean="0"/>
-              <a:t>Agent </a:t>
-            </a:r>
-            <a:r>
-              <a:rPr lang="en-US" sz="1400" dirty="0" smtClean="0"/>
-              <a:t>Controller v4.5.1  </a:t>
-            </a:r>
-            <a:endParaRPr lang="en-US" sz="1400" dirty="0" smtClean="0"/>
+              <a:t> TPTP Standalone Agent Controller v4.5.1  </a:t>
+            </a:r>
           </a:p>
           <a:p>
             <a:endParaRPr lang="en-US" sz="1400" dirty="0" smtClean="0"/>
@@ -5798,15 +5885,7 @@
             </a:pPr>
             <a:r>
               <a:rPr lang="en-US" sz="1400" dirty="0" smtClean="0"/>
-              <a:t> Java</a:t>
-            </a:r>
-            <a:r>
-              <a:rPr lang="en-US" sz="1400" dirty="0" smtClean="0"/>
-              <a:t> v1.5 </a:t>
-            </a:r>
-            <a:r>
-              <a:rPr lang="en-US" sz="1400" dirty="0" smtClean="0"/>
-              <a:t>or lower </a:t>
+              <a:t> Java v1.5 or lower </a:t>
             </a:r>
           </a:p>
           <a:p>
@@ -5830,7 +5909,7 @@
 </file>
 
 <file path=ppt/slides/slide5.xml><?xml version="1.0" encoding="utf-8"?>
-<p:sld xmlns:a="http://schemas.openxmlformats.org/drawingml/2006/main" xmlns:r="http://schemas.openxmlformats.org/officeDocument/2006/relationships" xmlns:mc="http://schemas.openxmlformats.org/markup-compatibility/2006" xmlns:mv="urn:schemas-microsoft-com:mac:vml" xmlns:p="http://schemas.openxmlformats.org/presentationml/2006/main" mc:Ignorable="mv" mc:PreserveAttributes="mv:*">
+<p:sld xmlns:a="http://schemas.openxmlformats.org/drawingml/2006/main" xmlns:r="http://schemas.openxmlformats.org/officeDocument/2006/relationships" xmlns:p="http://schemas.openxmlformats.org/presentationml/2006/main">
   <p:cSld>
     <p:spTree>
       <p:nvGrpSpPr>
@@ -6118,7 +6197,7 @@
 </file>
 
 <file path=ppt/slides/slide6.xml><?xml version="1.0" encoding="utf-8"?>
-<p:sld xmlns:a="http://schemas.openxmlformats.org/drawingml/2006/main" xmlns:r="http://schemas.openxmlformats.org/officeDocument/2006/relationships" xmlns:mc="http://schemas.openxmlformats.org/markup-compatibility/2006" xmlns:mv="urn:schemas-microsoft-com:mac:vml" xmlns:p="http://schemas.openxmlformats.org/presentationml/2006/main" mc:Ignorable="mv" mc:PreserveAttributes="mv:*">
+<p:sld xmlns:a="http://schemas.openxmlformats.org/drawingml/2006/main" xmlns:r="http://schemas.openxmlformats.org/officeDocument/2006/relationships" xmlns:p="http://schemas.openxmlformats.org/presentationml/2006/main">
   <p:cSld>
     <p:spTree>
       <p:nvGrpSpPr>
@@ -6185,7 +6264,7 @@
 </file>
 
 <file path=ppt/slides/slide7.xml><?xml version="1.0" encoding="utf-8"?>
-<p:sld xmlns:a="http://schemas.openxmlformats.org/drawingml/2006/main" xmlns:r="http://schemas.openxmlformats.org/officeDocument/2006/relationships" xmlns:mc="http://schemas.openxmlformats.org/markup-compatibility/2006" xmlns:mv="urn:schemas-microsoft-com:mac:vml" xmlns:p="http://schemas.openxmlformats.org/presentationml/2006/main" mc:Ignorable="mv" mc:PreserveAttributes="mv:*">
+<p:sld xmlns:a="http://schemas.openxmlformats.org/drawingml/2006/main" xmlns:r="http://schemas.openxmlformats.org/officeDocument/2006/relationships" xmlns:p="http://schemas.openxmlformats.org/presentationml/2006/main">
   <p:cSld>
     <p:spTree>
       <p:nvGrpSpPr>
@@ -6262,7 +6341,7 @@
 </file>
 
 <file path=ppt/slides/slide8.xml><?xml version="1.0" encoding="utf-8"?>
-<p:sld xmlns:a="http://schemas.openxmlformats.org/drawingml/2006/main" xmlns:r="http://schemas.openxmlformats.org/officeDocument/2006/relationships" xmlns:mc="http://schemas.openxmlformats.org/markup-compatibility/2006" xmlns:mv="urn:schemas-microsoft-com:mac:vml" xmlns:p="http://schemas.openxmlformats.org/presentationml/2006/main" mc:Ignorable="mv" mc:PreserveAttributes="mv:*">
+<p:sld xmlns:a="http://schemas.openxmlformats.org/drawingml/2006/main" xmlns:r="http://schemas.openxmlformats.org/officeDocument/2006/relationships" xmlns:p="http://schemas.openxmlformats.org/presentationml/2006/main">
   <p:cSld>
     <p:spTree>
       <p:nvGrpSpPr>
@@ -6280,7 +6359,7 @@
       </p:grpSpPr>
       <p:sp>
         <p:nvSpPr>
-          <p:cNvPr id="5" name="Title 4"/>
+          <p:cNvPr id="2" name="Title 1"/>
           <p:cNvSpPr>
             <a:spLocks noGrp="1"/>
           </p:cNvSpPr>
@@ -6293,7 +6372,7 @@
           <a:bodyPr/>
           <a:lstStyle/>
           <a:p>
-            <a:endParaRPr lang="en-US"/>
+            <a:endParaRPr lang="en-US" dirty="0"/>
           </a:p>
         </p:txBody>
       </p:sp>
@@ -6309,61 +6388,45 @@
         </p:nvSpPr>
         <p:spPr/>
         <p:txBody>
-          <a:bodyPr>
-            <a:normAutofit fontScale="70000" lnSpcReduction="20000"/>
-          </a:bodyPr>
-          <a:lstStyle/>
-          <a:p>
-            <a:r>
-              <a:rPr lang="en-US" smtClean="0"/>
-              <a:t>Start the Plant web application (AppSrv02, 9083, 9063)</a:t>
-            </a:r>
-          </a:p>
-          <a:p>
-            <a:r>
-              <a:rPr lang="en-US" smtClean="0"/>
-              <a:t>Setup the environment for RPT profiling </a:t>
-            </a:r>
-          </a:p>
-          <a:p>
-            <a:r>
-              <a:rPr lang="en-US" smtClean="0"/>
-              <a:t>Create a performance test suite for the Plant web application.</a:t>
-            </a:r>
-          </a:p>
-          <a:p>
-            <a:r>
-              <a:rPr lang="en-US" smtClean="0"/>
-              <a:t>Run the performance test suite by RPT while collecting profiling data by RPT. The profiling data is stored in a local trcxml file (t1_rpt.trcxml)</a:t>
-            </a:r>
-          </a:p>
-          <a:p>
-            <a:r>
-              <a:rPr lang="en-US" smtClean="0"/>
-              <a:t>Restart the Plant web application (after uninstrumentation)</a:t>
-            </a:r>
-          </a:p>
-          <a:p>
-            <a:r>
-              <a:rPr lang="en-US" smtClean="0"/>
-              <a:t>Setup the environment for TPTP profiling </a:t>
-            </a:r>
-          </a:p>
-          <a:p>
-            <a:r>
-              <a:rPr lang="en-US" smtClean="0"/>
-              <a:t>Run the performance test suite by RPT while collecting profiling data by TPTP. The profiling data is stored in a local trcxml file (t1_tptp.trcxml)</a:t>
-            </a:r>
-          </a:p>
-          <a:p>
-            <a:r>
-              <a:rPr lang="en-US" smtClean="0"/>
-              <a:t>Compare t1_rpt.trcxml and t1_tptp.trcxml to figure out the difference.</a:t>
-            </a:r>
-            <a:endParaRPr lang="en-US" dirty="0"/>
-          </a:p>
-        </p:txBody>
-      </p:sp>
+          <a:bodyPr/>
+          <a:lstStyle/>
+          <a:p>
+            <a:endParaRPr lang="en-US"/>
+          </a:p>
+        </p:txBody>
+      </p:sp>
+      <p:pic>
+        <p:nvPicPr>
+          <p:cNvPr id="1026" name="Picture 2"/>
+          <p:cNvPicPr>
+            <a:picLocks noChangeAspect="1" noChangeArrowheads="1"/>
+          </p:cNvPicPr>
+          <p:nvPr/>
+        </p:nvPicPr>
+        <p:blipFill>
+          <a:blip r:embed="rId2" cstate="print"/>
+          <a:srcRect/>
+          <a:stretch>
+            <a:fillRect/>
+          </a:stretch>
+        </p:blipFill>
+        <p:spPr bwMode="auto">
+          <a:xfrm>
+            <a:off x="2047875" y="1919288"/>
+            <a:ext cx="5048250" cy="3019425"/>
+          </a:xfrm>
+          <a:prstGeom prst="rect">
+            <a:avLst/>
+          </a:prstGeom>
+          <a:noFill/>
+          <a:ln w="9525">
+            <a:noFill/>
+            <a:miter lim="800000"/>
+            <a:headEnd/>
+            <a:tailEnd/>
+          </a:ln>
+        </p:spPr>
+      </p:pic>
     </p:spTree>
   </p:cSld>
   <p:clrMapOvr>
@@ -6373,7 +6436,7 @@
 </file>
 
 <file path=ppt/slides/slide9.xml><?xml version="1.0" encoding="utf-8"?>
-<p:sld xmlns:a="http://schemas.openxmlformats.org/drawingml/2006/main" xmlns:r="http://schemas.openxmlformats.org/officeDocument/2006/relationships" xmlns:mc="http://schemas.openxmlformats.org/markup-compatibility/2006" xmlns:mv="urn:schemas-microsoft-com:mac:vml" xmlns:p="http://schemas.openxmlformats.org/presentationml/2006/main" mc:Ignorable="mv" mc:PreserveAttributes="mv:*">
+<p:sld xmlns:a="http://schemas.openxmlformats.org/drawingml/2006/main" xmlns:r="http://schemas.openxmlformats.org/officeDocument/2006/relationships" xmlns:p="http://schemas.openxmlformats.org/presentationml/2006/main">
   <p:cSld>
     <p:spTree>
       <p:nvGrpSpPr>
@@ -6391,7 +6454,7 @@
       </p:grpSpPr>
       <p:sp>
         <p:nvSpPr>
-          <p:cNvPr id="4" name="Title 3"/>
+          <p:cNvPr id="5" name="Title 4"/>
           <p:cNvSpPr>
             <a:spLocks noGrp="1"/>
           </p:cNvSpPr>
@@ -6404,30 +6467,74 @@
           <a:bodyPr/>
           <a:lstStyle/>
           <a:p>
-            <a:r>
-              <a:rPr lang="en-US" dirty="0" smtClean="0"/>
-              <a:t>Trouble Shooting</a:t>
+            <a:endParaRPr lang="en-US"/>
+          </a:p>
+        </p:txBody>
+      </p:sp>
+      <p:sp>
+        <p:nvSpPr>
+          <p:cNvPr id="3" name="Content Placeholder 2"/>
+          <p:cNvSpPr>
+            <a:spLocks noGrp="1"/>
+          </p:cNvSpPr>
+          <p:nvPr>
+            <p:ph idx="1"/>
+          </p:nvPr>
+        </p:nvSpPr>
+        <p:spPr/>
+        <p:txBody>
+          <a:bodyPr>
+            <a:normAutofit fontScale="70000" lnSpcReduction="20000"/>
+          </a:bodyPr>
+          <a:lstStyle/>
+          <a:p>
+            <a:r>
+              <a:rPr lang="en-US" smtClean="0"/>
+              <a:t>Start the Plant web application (AppSrv02, 9083, 9063)</a:t>
+            </a:r>
+          </a:p>
+          <a:p>
+            <a:r>
+              <a:rPr lang="en-US" smtClean="0"/>
+              <a:t>Setup the environment for RPT profiling </a:t>
+            </a:r>
+          </a:p>
+          <a:p>
+            <a:r>
+              <a:rPr lang="en-US" smtClean="0"/>
+              <a:t>Create a performance test suite for the Plant web application.</a:t>
+            </a:r>
+          </a:p>
+          <a:p>
+            <a:r>
+              <a:rPr lang="en-US" smtClean="0"/>
+              <a:t>Run the performance test suite by RPT while collecting profiling data by RPT. The profiling data is stored in a local trcxml file (t1_rpt.trcxml)</a:t>
+            </a:r>
+          </a:p>
+          <a:p>
+            <a:r>
+              <a:rPr lang="en-US" smtClean="0"/>
+              <a:t>Restart the Plant web application (after uninstrumentation)</a:t>
+            </a:r>
+          </a:p>
+          <a:p>
+            <a:r>
+              <a:rPr lang="en-US" smtClean="0"/>
+              <a:t>Setup the environment for TPTP profiling </a:t>
+            </a:r>
+          </a:p>
+          <a:p>
+            <a:r>
+              <a:rPr lang="en-US" smtClean="0"/>
+              <a:t>Run the performance test suite by RPT while collecting profiling data by TPTP. The profiling data is stored in a local trcxml file (t1_tptp.trcxml)</a:t>
+            </a:r>
+          </a:p>
+          <a:p>
+            <a:r>
+              <a:rPr lang="en-US" smtClean="0"/>
+              <a:t>Compare t1_rpt.trcxml and t1_tptp.trcxml to figure out the difference.</a:t>
             </a:r>
             <a:endParaRPr lang="en-US" dirty="0"/>
-          </a:p>
-        </p:txBody>
-      </p:sp>
-      <p:sp>
-        <p:nvSpPr>
-          <p:cNvPr id="5" name="Text Placeholder 4"/>
-          <p:cNvSpPr>
-            <a:spLocks noGrp="1"/>
-          </p:cNvSpPr>
-          <p:nvPr>
-            <p:ph type="body" idx="1"/>
-          </p:nvPr>
-        </p:nvSpPr>
-        <p:spPr/>
-        <p:txBody>
-          <a:bodyPr/>
-          <a:lstStyle/>
-          <a:p>
-            <a:endParaRPr lang="en-US"/>
           </a:p>
         </p:txBody>
       </p:sp>

--- a/papers/DRCPA/docs/PerfTest - Profiling via TPTP.pptx
+++ b/papers/DRCPA/docs/PerfTest - Profiling via TPTP.pptx
@@ -5,10 +5,10 @@
     <p:sldMasterId id="2147483648" r:id="rId1"/>
   </p:sldMasterIdLst>
   <p:notesMasterIdLst>
-    <p:notesMasterId r:id="rId25"/>
+    <p:notesMasterId r:id="rId32"/>
   </p:notesMasterIdLst>
   <p:handoutMasterIdLst>
-    <p:handoutMasterId r:id="rId26"/>
+    <p:handoutMasterId r:id="rId33"/>
   </p:handoutMasterIdLst>
   <p:sldIdLst>
     <p:sldId id="256" r:id="rId2"/>
@@ -34,6 +34,13 @@
     <p:sldId id="378" r:id="rId22"/>
     <p:sldId id="369" r:id="rId23"/>
     <p:sldId id="388" r:id="rId24"/>
+    <p:sldId id="390" r:id="rId25"/>
+    <p:sldId id="391" r:id="rId26"/>
+    <p:sldId id="394" r:id="rId27"/>
+    <p:sldId id="392" r:id="rId28"/>
+    <p:sldId id="396" r:id="rId29"/>
+    <p:sldId id="393" r:id="rId30"/>
+    <p:sldId id="395" r:id="rId31"/>
   </p:sldIdLst>
   <p:sldSz cx="9144000" cy="6858000" type="screen4x3"/>
   <p:notesSz cx="6858000" cy="9144000"/>
@@ -218,7 +225,7 @@
             <a:fld id="{C1876738-C24C-400B-BE8B-5F8C502DDA77}" type="datetimeFigureOut">
               <a:rPr lang="en-US" smtClean="0"/>
               <a:pPr/>
-              <a:t>9/28/2009</a:t>
+              <a:t>10/8/2009</a:t>
             </a:fld>
             <a:endParaRPr lang="en-US"/>
           </a:p>
@@ -380,7 +387,7 @@
             <a:fld id="{23B74013-A8FD-4950-914A-947FD22947D7}" type="datetimeFigureOut">
               <a:rPr lang="en-US" smtClean="0"/>
               <a:pPr/>
-              <a:t>9/28/2009</a:t>
+              <a:t>10/8/2009</a:t>
             </a:fld>
             <a:endParaRPr lang="en-US"/>
           </a:p>
@@ -833,7 +840,7 @@
             <a:fld id="{C60591B3-B4ED-4C31-8AEF-63EEC6A32F51}" type="datetimeFigureOut">
               <a:rPr lang="en-US" smtClean="0"/>
               <a:pPr/>
-              <a:t>9/28/2009</a:t>
+              <a:t>10/8/2009</a:t>
             </a:fld>
             <a:endParaRPr lang="en-US"/>
           </a:p>
@@ -1000,7 +1007,7 @@
             <a:fld id="{C60591B3-B4ED-4C31-8AEF-63EEC6A32F51}" type="datetimeFigureOut">
               <a:rPr lang="en-US" smtClean="0"/>
               <a:pPr/>
-              <a:t>9/28/2009</a:t>
+              <a:t>10/8/2009</a:t>
             </a:fld>
             <a:endParaRPr lang="en-US"/>
           </a:p>
@@ -1177,7 +1184,7 @@
             <a:fld id="{C60591B3-B4ED-4C31-8AEF-63EEC6A32F51}" type="datetimeFigureOut">
               <a:rPr lang="en-US" smtClean="0"/>
               <a:pPr/>
-              <a:t>9/28/2009</a:t>
+              <a:t>10/8/2009</a:t>
             </a:fld>
             <a:endParaRPr lang="en-US"/>
           </a:p>
@@ -1344,7 +1351,7 @@
             <a:fld id="{C60591B3-B4ED-4C31-8AEF-63EEC6A32F51}" type="datetimeFigureOut">
               <a:rPr lang="en-US" smtClean="0"/>
               <a:pPr/>
-              <a:t>9/28/2009</a:t>
+              <a:t>10/8/2009</a:t>
             </a:fld>
             <a:endParaRPr lang="en-US"/>
           </a:p>
@@ -1592,7 +1599,7 @@
             <a:fld id="{C60591B3-B4ED-4C31-8AEF-63EEC6A32F51}" type="datetimeFigureOut">
               <a:rPr lang="en-US" smtClean="0"/>
               <a:pPr/>
-              <a:t>9/28/2009</a:t>
+              <a:t>10/8/2009</a:t>
             </a:fld>
             <a:endParaRPr lang="en-US"/>
           </a:p>
@@ -1877,7 +1884,7 @@
             <a:fld id="{C60591B3-B4ED-4C31-8AEF-63EEC6A32F51}" type="datetimeFigureOut">
               <a:rPr lang="en-US" smtClean="0"/>
               <a:pPr/>
-              <a:t>9/28/2009</a:t>
+              <a:t>10/8/2009</a:t>
             </a:fld>
             <a:endParaRPr lang="en-US"/>
           </a:p>
@@ -2296,7 +2303,7 @@
             <a:fld id="{C60591B3-B4ED-4C31-8AEF-63EEC6A32F51}" type="datetimeFigureOut">
               <a:rPr lang="en-US" smtClean="0"/>
               <a:pPr/>
-              <a:t>9/28/2009</a:t>
+              <a:t>10/8/2009</a:t>
             </a:fld>
             <a:endParaRPr lang="en-US"/>
           </a:p>
@@ -2411,7 +2418,7 @@
             <a:fld id="{C60591B3-B4ED-4C31-8AEF-63EEC6A32F51}" type="datetimeFigureOut">
               <a:rPr lang="en-US" smtClean="0"/>
               <a:pPr/>
-              <a:t>9/28/2009</a:t>
+              <a:t>10/8/2009</a:t>
             </a:fld>
             <a:endParaRPr lang="en-US"/>
           </a:p>
@@ -2503,7 +2510,7 @@
             <a:fld id="{C60591B3-B4ED-4C31-8AEF-63EEC6A32F51}" type="datetimeFigureOut">
               <a:rPr lang="en-US" smtClean="0"/>
               <a:pPr/>
-              <a:t>9/28/2009</a:t>
+              <a:t>10/8/2009</a:t>
             </a:fld>
             <a:endParaRPr lang="en-US"/>
           </a:p>
@@ -2777,7 +2784,7 @@
             <a:fld id="{C60591B3-B4ED-4C31-8AEF-63EEC6A32F51}" type="datetimeFigureOut">
               <a:rPr lang="en-US" smtClean="0"/>
               <a:pPr/>
-              <a:t>9/28/2009</a:t>
+              <a:t>10/8/2009</a:t>
             </a:fld>
             <a:endParaRPr lang="en-US"/>
           </a:p>
@@ -3027,7 +3034,7 @@
             <a:fld id="{C60591B3-B4ED-4C31-8AEF-63EEC6A32F51}" type="datetimeFigureOut">
               <a:rPr lang="en-US" smtClean="0"/>
               <a:pPr/>
-              <a:t>9/28/2009</a:t>
+              <a:t>10/8/2009</a:t>
             </a:fld>
             <a:endParaRPr lang="en-US"/>
           </a:p>
@@ -3237,7 +3244,7 @@
             <a:fld id="{C60591B3-B4ED-4C31-8AEF-63EEC6A32F51}" type="datetimeFigureOut">
               <a:rPr lang="en-US" smtClean="0"/>
               <a:pPr/>
-              <a:t>9/28/2009</a:t>
+              <a:t>10/8/2009</a:t>
             </a:fld>
             <a:endParaRPr lang="en-US"/>
           </a:p>
@@ -3713,7 +3720,7 @@
             <a:fld id="{4F850AED-4034-4B5A-9E95-47B9DD2B6BC9}" type="datetime1">
               <a:rPr lang="en-US" smtClean="0"/>
               <a:pPr/>
-              <a:t>9/28/2009</a:t>
+              <a:t>10/8/2009</a:t>
             </a:fld>
             <a:endParaRPr lang="en-US" dirty="0"/>
           </a:p>
@@ -5435,6 +5442,897 @@
 </p:sld>
 </file>
 
+<file path=ppt/slides/slide24.xml><?xml version="1.0" encoding="utf-8"?>
+<p:sld xmlns:a="http://schemas.openxmlformats.org/drawingml/2006/main" xmlns:r="http://schemas.openxmlformats.org/officeDocument/2006/relationships" xmlns:p="http://schemas.openxmlformats.org/presentationml/2006/main">
+  <p:cSld>
+    <p:spTree>
+      <p:nvGrpSpPr>
+        <p:cNvPr id="1" name=""/>
+        <p:cNvGrpSpPr/>
+        <p:nvPr/>
+      </p:nvGrpSpPr>
+      <p:grpSpPr>
+        <a:xfrm>
+          <a:off x="0" y="0"/>
+          <a:ext cx="0" cy="0"/>
+          <a:chOff x="0" y="0"/>
+          <a:chExt cx="0" cy="0"/>
+        </a:xfrm>
+      </p:grpSpPr>
+      <p:sp>
+        <p:nvSpPr>
+          <p:cNvPr id="4" name="Title 3"/>
+          <p:cNvSpPr>
+            <a:spLocks noGrp="1"/>
+          </p:cNvSpPr>
+          <p:nvPr>
+            <p:ph type="title"/>
+          </p:nvPr>
+        </p:nvSpPr>
+        <p:spPr/>
+        <p:txBody>
+          <a:bodyPr/>
+          <a:lstStyle/>
+          <a:p>
+            <a:r>
+              <a:rPr lang="en-US" dirty="0" smtClean="0"/>
+              <a:t>Experiment</a:t>
+            </a:r>
+            <a:endParaRPr lang="en-US" dirty="0"/>
+          </a:p>
+        </p:txBody>
+      </p:sp>
+      <p:sp>
+        <p:nvSpPr>
+          <p:cNvPr id="5" name="Text Placeholder 4"/>
+          <p:cNvSpPr>
+            <a:spLocks noGrp="1"/>
+          </p:cNvSpPr>
+          <p:nvPr>
+            <p:ph type="body" idx="1"/>
+          </p:nvPr>
+        </p:nvSpPr>
+        <p:spPr/>
+        <p:txBody>
+          <a:bodyPr/>
+          <a:lstStyle/>
+          <a:p>
+            <a:endParaRPr lang="en-US"/>
+          </a:p>
+        </p:txBody>
+      </p:sp>
+    </p:spTree>
+  </p:cSld>
+  <p:clrMapOvr>
+    <a:masterClrMapping/>
+  </p:clrMapOvr>
+</p:sld>
+</file>
+
+<file path=ppt/slides/slide25.xml><?xml version="1.0" encoding="utf-8"?>
+<p:sld xmlns:a="http://schemas.openxmlformats.org/drawingml/2006/main" xmlns:r="http://schemas.openxmlformats.org/officeDocument/2006/relationships" xmlns:p="http://schemas.openxmlformats.org/presentationml/2006/main">
+  <p:cSld>
+    <p:spTree>
+      <p:nvGrpSpPr>
+        <p:cNvPr id="1" name=""/>
+        <p:cNvGrpSpPr/>
+        <p:nvPr/>
+      </p:nvGrpSpPr>
+      <p:grpSpPr>
+        <a:xfrm>
+          <a:off x="0" y="0"/>
+          <a:ext cx="0" cy="0"/>
+          <a:chOff x="0" y="0"/>
+          <a:chExt cx="0" cy="0"/>
+        </a:xfrm>
+      </p:grpSpPr>
+      <p:sp>
+        <p:nvSpPr>
+          <p:cNvPr id="2" name="Title 1"/>
+          <p:cNvSpPr>
+            <a:spLocks noGrp="1"/>
+          </p:cNvSpPr>
+          <p:nvPr>
+            <p:ph type="title"/>
+          </p:nvPr>
+        </p:nvSpPr>
+        <p:spPr/>
+        <p:txBody>
+          <a:bodyPr/>
+          <a:lstStyle/>
+          <a:p>
+            <a:endParaRPr lang="en-US"/>
+          </a:p>
+        </p:txBody>
+      </p:sp>
+      <p:sp>
+        <p:nvSpPr>
+          <p:cNvPr id="3" name="Content Placeholder 2"/>
+          <p:cNvSpPr>
+            <a:spLocks noGrp="1"/>
+          </p:cNvSpPr>
+          <p:nvPr>
+            <p:ph idx="1"/>
+          </p:nvPr>
+        </p:nvSpPr>
+        <p:spPr/>
+        <p:txBody>
+          <a:bodyPr/>
+          <a:lstStyle/>
+          <a:p>
+            <a:r>
+              <a:rPr lang="en-US" dirty="0" smtClean="0"/>
+              <a:t>For each experiment</a:t>
+            </a:r>
+          </a:p>
+          <a:p>
+            <a:pPr lvl="1"/>
+            <a:r>
+              <a:rPr lang="en-US" dirty="0" smtClean="0"/>
+              <a:t>Restart (Stop &amp; Start) WSAS</a:t>
+            </a:r>
+            <a:endParaRPr lang="en-US" dirty="0"/>
+          </a:p>
+        </p:txBody>
+      </p:sp>
+    </p:spTree>
+  </p:cSld>
+  <p:clrMapOvr>
+    <a:masterClrMapping/>
+  </p:clrMapOvr>
+</p:sld>
+</file>
+
+<file path=ppt/slides/slide26.xml><?xml version="1.0" encoding="utf-8"?>
+<p:sld xmlns:a="http://schemas.openxmlformats.org/drawingml/2006/main" xmlns:r="http://schemas.openxmlformats.org/officeDocument/2006/relationships" xmlns:p="http://schemas.openxmlformats.org/presentationml/2006/main">
+  <p:cSld>
+    <p:spTree>
+      <p:nvGrpSpPr>
+        <p:cNvPr id="1" name=""/>
+        <p:cNvGrpSpPr/>
+        <p:nvPr/>
+      </p:nvGrpSpPr>
+      <p:grpSpPr>
+        <a:xfrm>
+          <a:off x="0" y="0"/>
+          <a:ext cx="0" cy="0"/>
+          <a:chOff x="0" y="0"/>
+          <a:chExt cx="0" cy="0"/>
+        </a:xfrm>
+      </p:grpSpPr>
+      <p:sp>
+        <p:nvSpPr>
+          <p:cNvPr id="2" name="Title 1"/>
+          <p:cNvSpPr>
+            <a:spLocks noGrp="1"/>
+          </p:cNvSpPr>
+          <p:nvPr>
+            <p:ph type="title"/>
+          </p:nvPr>
+        </p:nvSpPr>
+        <p:spPr/>
+        <p:txBody>
+          <a:bodyPr/>
+          <a:lstStyle/>
+          <a:p>
+            <a:r>
+              <a:rPr lang="en-US" dirty="0" smtClean="0"/>
+              <a:t>Profile Configuration</a:t>
+            </a:r>
+            <a:endParaRPr lang="en-US" dirty="0"/>
+          </a:p>
+        </p:txBody>
+      </p:sp>
+      <p:sp>
+        <p:nvSpPr>
+          <p:cNvPr id="3" name="Content Placeholder 2"/>
+          <p:cNvSpPr>
+            <a:spLocks noGrp="1"/>
+          </p:cNvSpPr>
+          <p:nvPr>
+            <p:ph idx="1"/>
+          </p:nvPr>
+        </p:nvSpPr>
+        <p:spPr/>
+        <p:txBody>
+          <a:bodyPr/>
+          <a:lstStyle/>
+          <a:p>
+            <a:endParaRPr lang="en-US"/>
+          </a:p>
+        </p:txBody>
+      </p:sp>
+      <p:pic>
+        <p:nvPicPr>
+          <p:cNvPr id="2050" name="Picture 2"/>
+          <p:cNvPicPr>
+            <a:picLocks noChangeAspect="1" noChangeArrowheads="1"/>
+          </p:cNvPicPr>
+          <p:nvPr/>
+        </p:nvPicPr>
+        <p:blipFill>
+          <a:blip r:embed="rId2"/>
+          <a:srcRect/>
+          <a:stretch>
+            <a:fillRect/>
+          </a:stretch>
+        </p:blipFill>
+        <p:spPr bwMode="auto">
+          <a:xfrm>
+            <a:off x="762000" y="1600200"/>
+            <a:ext cx="7581900" cy="4581525"/>
+          </a:xfrm>
+          <a:prstGeom prst="rect">
+            <a:avLst/>
+          </a:prstGeom>
+          <a:noFill/>
+          <a:ln w="9525">
+            <a:noFill/>
+            <a:miter lim="800000"/>
+            <a:headEnd/>
+            <a:tailEnd/>
+          </a:ln>
+          <a:effectLst/>
+        </p:spPr>
+      </p:pic>
+      <p:sp>
+        <p:nvSpPr>
+          <p:cNvPr id="7" name="Rounded Rectangular Callout 6"/>
+          <p:cNvSpPr/>
+          <p:nvPr/>
+        </p:nvSpPr>
+        <p:spPr>
+          <a:xfrm>
+            <a:off x="5791200" y="3048000"/>
+            <a:ext cx="1676400" cy="304800"/>
+          </a:xfrm>
+          <a:prstGeom prst="wedgeRoundRectCallout">
+            <a:avLst>
+              <a:gd name="adj1" fmla="val -101067"/>
+              <a:gd name="adj2" fmla="val 182088"/>
+              <a:gd name="adj3" fmla="val 16667"/>
+            </a:avLst>
+          </a:prstGeom>
+          <a:solidFill>
+            <a:srgbClr val="FFC000"/>
+          </a:solidFill>
+        </p:spPr>
+        <p:style>
+          <a:lnRef idx="2">
+            <a:schemeClr val="accent1">
+              <a:shade val="50000"/>
+            </a:schemeClr>
+          </a:lnRef>
+          <a:fillRef idx="1">
+            <a:schemeClr val="accent1"/>
+          </a:fillRef>
+          <a:effectRef idx="0">
+            <a:schemeClr val="accent1"/>
+          </a:effectRef>
+          <a:fontRef idx="minor">
+            <a:schemeClr val="lt1"/>
+          </a:fontRef>
+        </p:style>
+        <p:txBody>
+          <a:bodyPr rtlCol="0" anchor="ctr"/>
+          <a:lstStyle/>
+          <a:p>
+            <a:pPr algn="ctr"/>
+            <a:r>
+              <a:rPr lang="en-US" smtClean="0">
+                <a:solidFill>
+                  <a:schemeClr val="accent6">
+                    <a:lumMod val="50000"/>
+                  </a:schemeClr>
+                </a:solidFill>
+              </a:rPr>
+              <a:t>Heap</a:t>
+            </a:r>
+            <a:endParaRPr lang="en-US" dirty="0">
+              <a:solidFill>
+                <a:schemeClr val="accent6">
+                  <a:lumMod val="50000"/>
+                </a:schemeClr>
+              </a:solidFill>
+            </a:endParaRPr>
+          </a:p>
+        </p:txBody>
+      </p:sp>
+      <p:sp>
+        <p:nvSpPr>
+          <p:cNvPr id="8" name="Rounded Rectangular Callout 7"/>
+          <p:cNvSpPr/>
+          <p:nvPr/>
+        </p:nvSpPr>
+        <p:spPr>
+          <a:xfrm>
+            <a:off x="6019800" y="4114800"/>
+            <a:ext cx="1676400" cy="304800"/>
+          </a:xfrm>
+          <a:prstGeom prst="wedgeRoundRectCallout">
+            <a:avLst>
+              <a:gd name="adj1" fmla="val -110873"/>
+              <a:gd name="adj2" fmla="val -114541"/>
+              <a:gd name="adj3" fmla="val 16667"/>
+            </a:avLst>
+          </a:prstGeom>
+          <a:solidFill>
+            <a:srgbClr val="FFC000"/>
+          </a:solidFill>
+        </p:spPr>
+        <p:style>
+          <a:lnRef idx="2">
+            <a:schemeClr val="accent1">
+              <a:shade val="50000"/>
+            </a:schemeClr>
+          </a:lnRef>
+          <a:fillRef idx="1">
+            <a:schemeClr val="accent1"/>
+          </a:fillRef>
+          <a:effectRef idx="0">
+            <a:schemeClr val="accent1"/>
+          </a:effectRef>
+          <a:fontRef idx="minor">
+            <a:schemeClr val="lt1"/>
+          </a:fontRef>
+        </p:style>
+        <p:txBody>
+          <a:bodyPr rtlCol="0" anchor="ctr"/>
+          <a:lstStyle/>
+          <a:p>
+            <a:pPr algn="ctr"/>
+            <a:r>
+              <a:rPr lang="en-US" dirty="0" smtClean="0">
+                <a:solidFill>
+                  <a:schemeClr val="accent6">
+                    <a:lumMod val="50000"/>
+                  </a:schemeClr>
+                </a:solidFill>
+              </a:rPr>
+              <a:t>?</a:t>
+            </a:r>
+            <a:endParaRPr lang="en-US" dirty="0">
+              <a:solidFill>
+                <a:schemeClr val="accent6">
+                  <a:lumMod val="50000"/>
+                </a:schemeClr>
+              </a:solidFill>
+            </a:endParaRPr>
+          </a:p>
+        </p:txBody>
+      </p:sp>
+      <p:sp>
+        <p:nvSpPr>
+          <p:cNvPr id="9" name="Rounded Rectangular Callout 8"/>
+          <p:cNvSpPr/>
+          <p:nvPr/>
+        </p:nvSpPr>
+        <p:spPr>
+          <a:xfrm>
+            <a:off x="6019800" y="4800600"/>
+            <a:ext cx="1676400" cy="304800"/>
+          </a:xfrm>
+          <a:prstGeom prst="wedgeRoundRectCallout">
+            <a:avLst>
+              <a:gd name="adj1" fmla="val -111486"/>
+              <a:gd name="adj2" fmla="val -262856"/>
+              <a:gd name="adj3" fmla="val 16667"/>
+            </a:avLst>
+          </a:prstGeom>
+          <a:solidFill>
+            <a:srgbClr val="FFC000"/>
+          </a:solidFill>
+        </p:spPr>
+        <p:style>
+          <a:lnRef idx="2">
+            <a:schemeClr val="accent1">
+              <a:shade val="50000"/>
+            </a:schemeClr>
+          </a:lnRef>
+          <a:fillRef idx="1">
+            <a:schemeClr val="accent1"/>
+          </a:fillRef>
+          <a:effectRef idx="0">
+            <a:schemeClr val="accent1"/>
+          </a:effectRef>
+          <a:fontRef idx="minor">
+            <a:schemeClr val="lt1"/>
+          </a:fontRef>
+        </p:style>
+        <p:txBody>
+          <a:bodyPr rtlCol="0" anchor="ctr"/>
+          <a:lstStyle/>
+          <a:p>
+            <a:pPr algn="ctr"/>
+            <a:r>
+              <a:rPr lang="en-US" dirty="0" smtClean="0">
+                <a:solidFill>
+                  <a:schemeClr val="accent6">
+                    <a:lumMod val="50000"/>
+                  </a:schemeClr>
+                </a:solidFill>
+              </a:rPr>
+              <a:t>?</a:t>
+            </a:r>
+            <a:endParaRPr lang="en-US" dirty="0">
+              <a:solidFill>
+                <a:schemeClr val="accent6">
+                  <a:lumMod val="50000"/>
+                </a:schemeClr>
+              </a:solidFill>
+            </a:endParaRPr>
+          </a:p>
+        </p:txBody>
+      </p:sp>
+    </p:spTree>
+  </p:cSld>
+  <p:clrMapOvr>
+    <a:masterClrMapping/>
+  </p:clrMapOvr>
+</p:sld>
+</file>
+
+<file path=ppt/slides/slide27.xml><?xml version="1.0" encoding="utf-8"?>
+<p:sld xmlns:a="http://schemas.openxmlformats.org/drawingml/2006/main" xmlns:r="http://schemas.openxmlformats.org/officeDocument/2006/relationships" xmlns:p="http://schemas.openxmlformats.org/presentationml/2006/main">
+  <p:cSld>
+    <p:spTree>
+      <p:nvGrpSpPr>
+        <p:cNvPr id="1" name=""/>
+        <p:cNvGrpSpPr/>
+        <p:nvPr/>
+      </p:nvGrpSpPr>
+      <p:grpSpPr>
+        <a:xfrm>
+          <a:off x="0" y="0"/>
+          <a:ext cx="0" cy="0"/>
+          <a:chOff x="0" y="0"/>
+          <a:chExt cx="0" cy="0"/>
+        </a:xfrm>
+      </p:grpSpPr>
+      <p:sp>
+        <p:nvSpPr>
+          <p:cNvPr id="2" name="Title 1"/>
+          <p:cNvSpPr>
+            <a:spLocks noGrp="1"/>
+          </p:cNvSpPr>
+          <p:nvPr>
+            <p:ph type="title"/>
+          </p:nvPr>
+        </p:nvSpPr>
+        <p:spPr/>
+        <p:txBody>
+          <a:bodyPr/>
+          <a:lstStyle/>
+          <a:p>
+            <a:r>
+              <a:rPr lang="en-US" dirty="0" smtClean="0"/>
+              <a:t>Profiling Options: Filter Set</a:t>
+            </a:r>
+            <a:endParaRPr lang="en-US" dirty="0"/>
+          </a:p>
+        </p:txBody>
+      </p:sp>
+      <p:sp>
+        <p:nvSpPr>
+          <p:cNvPr id="3" name="Content Placeholder 2"/>
+          <p:cNvSpPr>
+            <a:spLocks noGrp="1"/>
+          </p:cNvSpPr>
+          <p:nvPr>
+            <p:ph idx="1"/>
+          </p:nvPr>
+        </p:nvSpPr>
+        <p:spPr/>
+        <p:txBody>
+          <a:bodyPr/>
+          <a:lstStyle/>
+          <a:p>
+            <a:endParaRPr lang="en-US"/>
+          </a:p>
+        </p:txBody>
+      </p:sp>
+      <p:pic>
+        <p:nvPicPr>
+          <p:cNvPr id="1026" name="Picture 2"/>
+          <p:cNvPicPr>
+            <a:picLocks noChangeAspect="1" noChangeArrowheads="1"/>
+          </p:cNvPicPr>
+          <p:nvPr/>
+        </p:nvPicPr>
+        <p:blipFill>
+          <a:blip r:embed="rId2"/>
+          <a:srcRect/>
+          <a:stretch>
+            <a:fillRect/>
+          </a:stretch>
+        </p:blipFill>
+        <p:spPr bwMode="auto">
+          <a:xfrm>
+            <a:off x="457200" y="1590676"/>
+            <a:ext cx="3886200" cy="4533900"/>
+          </a:xfrm>
+          <a:prstGeom prst="rect">
+            <a:avLst/>
+          </a:prstGeom>
+          <a:noFill/>
+          <a:ln w="9525">
+            <a:noFill/>
+            <a:miter lim="800000"/>
+            <a:headEnd/>
+            <a:tailEnd/>
+          </a:ln>
+          <a:effectLst/>
+        </p:spPr>
+      </p:pic>
+      <p:pic>
+        <p:nvPicPr>
+          <p:cNvPr id="1027" name="Picture 3"/>
+          <p:cNvPicPr>
+            <a:picLocks noChangeAspect="1" noChangeArrowheads="1"/>
+          </p:cNvPicPr>
+          <p:nvPr/>
+        </p:nvPicPr>
+        <p:blipFill>
+          <a:blip r:embed="rId3"/>
+          <a:srcRect/>
+          <a:stretch>
+            <a:fillRect/>
+          </a:stretch>
+        </p:blipFill>
+        <p:spPr bwMode="auto">
+          <a:xfrm>
+            <a:off x="4800600" y="1590675"/>
+            <a:ext cx="3905250" cy="4556125"/>
+          </a:xfrm>
+          <a:prstGeom prst="rect">
+            <a:avLst/>
+          </a:prstGeom>
+          <a:noFill/>
+          <a:ln w="9525">
+            <a:noFill/>
+            <a:miter lim="800000"/>
+            <a:headEnd/>
+            <a:tailEnd/>
+          </a:ln>
+          <a:effectLst/>
+        </p:spPr>
+      </p:pic>
+      <p:sp>
+        <p:nvSpPr>
+          <p:cNvPr id="8" name="Rounded Rectangular Callout 7"/>
+          <p:cNvSpPr/>
+          <p:nvPr/>
+        </p:nvSpPr>
+        <p:spPr>
+          <a:xfrm>
+            <a:off x="2438400" y="2362200"/>
+            <a:ext cx="1676400" cy="304800"/>
+          </a:xfrm>
+          <a:prstGeom prst="wedgeRoundRectCallout">
+            <a:avLst>
+              <a:gd name="adj1" fmla="val -15878"/>
+              <a:gd name="adj2" fmla="val 397818"/>
+              <a:gd name="adj3" fmla="val 16667"/>
+            </a:avLst>
+          </a:prstGeom>
+          <a:solidFill>
+            <a:srgbClr val="FFC000"/>
+          </a:solidFill>
+        </p:spPr>
+        <p:style>
+          <a:lnRef idx="2">
+            <a:schemeClr val="accent1">
+              <a:shade val="50000"/>
+            </a:schemeClr>
+          </a:lnRef>
+          <a:fillRef idx="1">
+            <a:schemeClr val="accent1"/>
+          </a:fillRef>
+          <a:effectRef idx="0">
+            <a:schemeClr val="accent1"/>
+          </a:effectRef>
+          <a:fontRef idx="minor">
+            <a:schemeClr val="lt1"/>
+          </a:fontRef>
+        </p:style>
+        <p:txBody>
+          <a:bodyPr rtlCol="0" anchor="ctr"/>
+          <a:lstStyle/>
+          <a:p>
+            <a:pPr algn="ctr"/>
+            <a:r>
+              <a:rPr lang="en-US" dirty="0" smtClean="0">
+                <a:solidFill>
+                  <a:schemeClr val="accent6">
+                    <a:lumMod val="50000"/>
+                  </a:schemeClr>
+                </a:solidFill>
+              </a:rPr>
+              <a:t>Default</a:t>
+            </a:r>
+            <a:endParaRPr lang="en-US" dirty="0">
+              <a:solidFill>
+                <a:schemeClr val="accent6">
+                  <a:lumMod val="50000"/>
+                </a:schemeClr>
+              </a:solidFill>
+            </a:endParaRPr>
+          </a:p>
+        </p:txBody>
+      </p:sp>
+      <p:sp>
+        <p:nvSpPr>
+          <p:cNvPr id="9" name="Rounded Rectangular Callout 8"/>
+          <p:cNvSpPr/>
+          <p:nvPr/>
+        </p:nvSpPr>
+        <p:spPr>
+          <a:xfrm>
+            <a:off x="6781800" y="2438400"/>
+            <a:ext cx="1676400" cy="304800"/>
+          </a:xfrm>
+          <a:prstGeom prst="wedgeRoundRectCallout">
+            <a:avLst>
+              <a:gd name="adj1" fmla="val -17103"/>
+              <a:gd name="adj2" fmla="val 367481"/>
+              <a:gd name="adj3" fmla="val 16667"/>
+            </a:avLst>
+          </a:prstGeom>
+          <a:solidFill>
+            <a:srgbClr val="FFC000"/>
+          </a:solidFill>
+        </p:spPr>
+        <p:style>
+          <a:lnRef idx="2">
+            <a:schemeClr val="accent1">
+              <a:shade val="50000"/>
+            </a:schemeClr>
+          </a:lnRef>
+          <a:fillRef idx="1">
+            <a:schemeClr val="accent1"/>
+          </a:fillRef>
+          <a:effectRef idx="0">
+            <a:schemeClr val="accent1"/>
+          </a:effectRef>
+          <a:fontRef idx="minor">
+            <a:schemeClr val="lt1"/>
+          </a:fontRef>
+        </p:style>
+        <p:txBody>
+          <a:bodyPr rtlCol="0" anchor="ctr"/>
+          <a:lstStyle/>
+          <a:p>
+            <a:pPr algn="ctr"/>
+            <a:r>
+              <a:rPr lang="en-US" dirty="0" smtClean="0">
+                <a:solidFill>
+                  <a:schemeClr val="accent6">
+                    <a:lumMod val="50000"/>
+                  </a:schemeClr>
+                </a:solidFill>
+              </a:rPr>
+              <a:t>Customized</a:t>
+            </a:r>
+            <a:endParaRPr lang="en-US" dirty="0">
+              <a:solidFill>
+                <a:schemeClr val="accent6">
+                  <a:lumMod val="50000"/>
+                </a:schemeClr>
+              </a:solidFill>
+            </a:endParaRPr>
+          </a:p>
+        </p:txBody>
+      </p:sp>
+    </p:spTree>
+  </p:cSld>
+  <p:clrMapOvr>
+    <a:masterClrMapping/>
+  </p:clrMapOvr>
+</p:sld>
+</file>
+
+<file path=ppt/slides/slide28.xml><?xml version="1.0" encoding="utf-8"?>
+<p:sld xmlns:a="http://schemas.openxmlformats.org/drawingml/2006/main" xmlns:r="http://schemas.openxmlformats.org/officeDocument/2006/relationships" xmlns:p="http://schemas.openxmlformats.org/presentationml/2006/main">
+  <p:cSld>
+    <p:spTree>
+      <p:nvGrpSpPr>
+        <p:cNvPr id="1" name=""/>
+        <p:cNvGrpSpPr/>
+        <p:nvPr/>
+      </p:nvGrpSpPr>
+      <p:grpSpPr>
+        <a:xfrm>
+          <a:off x="0" y="0"/>
+          <a:ext cx="0" cy="0"/>
+          <a:chOff x="0" y="0"/>
+          <a:chExt cx="0" cy="0"/>
+        </a:xfrm>
+      </p:grpSpPr>
+      <p:sp>
+        <p:nvSpPr>
+          <p:cNvPr id="2" name="Title 1"/>
+          <p:cNvSpPr>
+            <a:spLocks noGrp="1"/>
+          </p:cNvSpPr>
+          <p:nvPr>
+            <p:ph type="title"/>
+          </p:nvPr>
+        </p:nvSpPr>
+        <p:spPr/>
+        <p:txBody>
+          <a:bodyPr/>
+          <a:lstStyle/>
+          <a:p>
+            <a:r>
+              <a:rPr lang="en-US" dirty="0" smtClean="0"/>
+              <a:t>Seems to be good!!</a:t>
+            </a:r>
+            <a:endParaRPr lang="en-US" dirty="0"/>
+          </a:p>
+        </p:txBody>
+      </p:sp>
+      <p:sp>
+        <p:nvSpPr>
+          <p:cNvPr id="3" name="Content Placeholder 2"/>
+          <p:cNvSpPr>
+            <a:spLocks noGrp="1"/>
+          </p:cNvSpPr>
+          <p:nvPr>
+            <p:ph idx="1"/>
+          </p:nvPr>
+        </p:nvSpPr>
+        <p:spPr/>
+        <p:txBody>
+          <a:bodyPr/>
+          <a:lstStyle/>
+          <a:p>
+            <a:endParaRPr lang="en-US"/>
+          </a:p>
+        </p:txBody>
+      </p:sp>
+      <p:pic>
+        <p:nvPicPr>
+          <p:cNvPr id="2050" name="Picture 2"/>
+          <p:cNvPicPr>
+            <a:picLocks noChangeAspect="1" noChangeArrowheads="1"/>
+          </p:cNvPicPr>
+          <p:nvPr/>
+        </p:nvPicPr>
+        <p:blipFill>
+          <a:blip r:embed="rId2"/>
+          <a:srcRect/>
+          <a:stretch>
+            <a:fillRect/>
+          </a:stretch>
+        </p:blipFill>
+        <p:spPr bwMode="auto">
+          <a:xfrm>
+            <a:off x="457200" y="1600200"/>
+            <a:ext cx="4171950" cy="4549787"/>
+          </a:xfrm>
+          <a:prstGeom prst="rect">
+            <a:avLst/>
+          </a:prstGeom>
+          <a:noFill/>
+          <a:ln w="9525">
+            <a:noFill/>
+            <a:miter lim="800000"/>
+            <a:headEnd/>
+            <a:tailEnd/>
+          </a:ln>
+          <a:effectLst/>
+        </p:spPr>
+      </p:pic>
+    </p:spTree>
+  </p:cSld>
+  <p:clrMapOvr>
+    <a:masterClrMapping/>
+  </p:clrMapOvr>
+</p:sld>
+</file>
+
+<file path=ppt/slides/slide29.xml><?xml version="1.0" encoding="utf-8"?>
+<p:sld xmlns:a="http://schemas.openxmlformats.org/drawingml/2006/main" xmlns:r="http://schemas.openxmlformats.org/officeDocument/2006/relationships" xmlns:p="http://schemas.openxmlformats.org/presentationml/2006/main">
+  <p:cSld>
+    <p:spTree>
+      <p:nvGrpSpPr>
+        <p:cNvPr id="1" name=""/>
+        <p:cNvGrpSpPr/>
+        <p:nvPr/>
+      </p:nvGrpSpPr>
+      <p:grpSpPr>
+        <a:xfrm>
+          <a:off x="0" y="0"/>
+          <a:ext cx="0" cy="0"/>
+          <a:chOff x="0" y="0"/>
+          <a:chExt cx="0" cy="0"/>
+        </a:xfrm>
+      </p:grpSpPr>
+      <p:sp>
+        <p:nvSpPr>
+          <p:cNvPr id="2" name="Title 1"/>
+          <p:cNvSpPr>
+            <a:spLocks noGrp="1"/>
+          </p:cNvSpPr>
+          <p:nvPr>
+            <p:ph type="title"/>
+          </p:nvPr>
+        </p:nvSpPr>
+        <p:spPr/>
+        <p:txBody>
+          <a:bodyPr>
+            <a:normAutofit fontScale="90000"/>
+          </a:bodyPr>
+          <a:lstStyle/>
+          <a:p>
+            <a:r>
+              <a:rPr lang="en-US" dirty="0" smtClean="0"/>
+              <a:t>Profiling Options: Execution Time Analysis </a:t>
+            </a:r>
+            <a:endParaRPr lang="en-US" dirty="0"/>
+          </a:p>
+        </p:txBody>
+      </p:sp>
+      <p:sp>
+        <p:nvSpPr>
+          <p:cNvPr id="3" name="Content Placeholder 2"/>
+          <p:cNvSpPr>
+            <a:spLocks noGrp="1"/>
+          </p:cNvSpPr>
+          <p:nvPr>
+            <p:ph idx="1"/>
+          </p:nvPr>
+        </p:nvSpPr>
+        <p:spPr/>
+        <p:txBody>
+          <a:bodyPr/>
+          <a:lstStyle/>
+          <a:p>
+            <a:endParaRPr lang="en-US" dirty="0"/>
+          </a:p>
+        </p:txBody>
+      </p:sp>
+      <p:pic>
+        <p:nvPicPr>
+          <p:cNvPr id="1026" name="Picture 2"/>
+          <p:cNvPicPr>
+            <a:picLocks noChangeAspect="1" noChangeArrowheads="1"/>
+          </p:cNvPicPr>
+          <p:nvPr/>
+        </p:nvPicPr>
+        <p:blipFill>
+          <a:blip r:embed="rId2"/>
+          <a:srcRect/>
+          <a:stretch>
+            <a:fillRect/>
+          </a:stretch>
+        </p:blipFill>
+        <p:spPr bwMode="auto">
+          <a:xfrm>
+            <a:off x="2286000" y="1600200"/>
+            <a:ext cx="4343400" cy="4587034"/>
+          </a:xfrm>
+          <a:prstGeom prst="rect">
+            <a:avLst/>
+          </a:prstGeom>
+          <a:noFill/>
+          <a:ln w="9525">
+            <a:noFill/>
+            <a:miter lim="800000"/>
+            <a:headEnd/>
+            <a:tailEnd/>
+          </a:ln>
+          <a:effectLst/>
+        </p:spPr>
+      </p:pic>
+    </p:spTree>
+  </p:cSld>
+  <p:clrMapOvr>
+    <a:masterClrMapping/>
+  </p:clrMapOvr>
+</p:sld>
+</file>
+
 <file path=ppt/slides/slide3.xml><?xml version="1.0" encoding="utf-8"?>
 <p:sld xmlns:a="http://schemas.openxmlformats.org/drawingml/2006/main" xmlns:r="http://schemas.openxmlformats.org/officeDocument/2006/relationships" xmlns:p="http://schemas.openxmlformats.org/presentationml/2006/main">
   <p:cSld>
@@ -5571,6 +6469,69 @@
           </a:p>
           <a:p>
             <a:endParaRPr lang="en-US" dirty="0"/>
+          </a:p>
+        </p:txBody>
+      </p:sp>
+    </p:spTree>
+  </p:cSld>
+  <p:clrMapOvr>
+    <a:masterClrMapping/>
+  </p:clrMapOvr>
+</p:sld>
+</file>
+
+<file path=ppt/slides/slide30.xml><?xml version="1.0" encoding="utf-8"?>
+<p:sld xmlns:a="http://schemas.openxmlformats.org/drawingml/2006/main" xmlns:r="http://schemas.openxmlformats.org/officeDocument/2006/relationships" xmlns:p="http://schemas.openxmlformats.org/presentationml/2006/main">
+  <p:cSld>
+    <p:spTree>
+      <p:nvGrpSpPr>
+        <p:cNvPr id="1" name=""/>
+        <p:cNvGrpSpPr/>
+        <p:nvPr/>
+      </p:nvGrpSpPr>
+      <p:grpSpPr>
+        <a:xfrm>
+          <a:off x="0" y="0"/>
+          <a:ext cx="0" cy="0"/>
+          <a:chOff x="0" y="0"/>
+          <a:chExt cx="0" cy="0"/>
+        </a:xfrm>
+      </p:grpSpPr>
+      <p:sp>
+        <p:nvSpPr>
+          <p:cNvPr id="2" name="Title 1"/>
+          <p:cNvSpPr>
+            <a:spLocks noGrp="1"/>
+          </p:cNvSpPr>
+          <p:nvPr>
+            <p:ph type="title"/>
+          </p:nvPr>
+        </p:nvSpPr>
+        <p:spPr/>
+        <p:txBody>
+          <a:bodyPr/>
+          <a:lstStyle/>
+          <a:p>
+            <a:endParaRPr lang="en-US"/>
+          </a:p>
+        </p:txBody>
+      </p:sp>
+      <p:sp>
+        <p:nvSpPr>
+          <p:cNvPr id="3" name="Content Placeholder 2"/>
+          <p:cNvSpPr>
+            <a:spLocks noGrp="1"/>
+          </p:cNvSpPr>
+          <p:nvPr>
+            <p:ph idx="1"/>
+          </p:nvPr>
+        </p:nvSpPr>
+        <p:spPr/>
+        <p:txBody>
+          <a:bodyPr/>
+          <a:lstStyle/>
+          <a:p>
+            <a:endParaRPr lang="en-US"/>
           </a:p>
         </p:txBody>
       </p:sp>
